--- a/12주차/발표자료-4.pptx
+++ b/12주차/발표자료-4.pptx
@@ -1871,7 +1871,7 @@
             <a:pPr lvl="0">
               <a:defRPr/>
             </a:pPr>
-            <a:endParaRPr lang="ko-KR" altLang="en-US"/>
+            <a:endParaRPr lang="ko-KR" altLang="en-US" dirty="0"/>
           </a:p>
         </p:txBody>
       </p:sp>
@@ -1959,7 +1959,7 @@
             <a:pPr lvl="0">
               <a:defRPr/>
             </a:pPr>
-            <a:endParaRPr lang="ko-KR" altLang="en-US"/>
+            <a:endParaRPr lang="ko-KR" altLang="en-US" dirty="0"/>
           </a:p>
         </p:txBody>
       </p:sp>
@@ -5976,7 +5976,7 @@
         </p:nvSpPr>
         <p:spPr>
           <a:xfrm>
-            <a:off x="1735672" y="3013502"/>
+            <a:off x="1735672" y="2720024"/>
             <a:ext cx="8720657" cy="830997"/>
           </a:xfrm>
           <a:prstGeom prst="rect">
@@ -6239,7 +6239,7 @@
         </p:nvSpPr>
         <p:spPr>
           <a:xfrm>
-            <a:off x="5939202" y="5685197"/>
+            <a:off x="6189883" y="5685197"/>
             <a:ext cx="2903359" cy="369332"/>
           </a:xfrm>
           <a:prstGeom prst="rect">
@@ -6264,6 +6264,67 @@
               </a:rPr>
               <a:t>금오공과대학교 컴퓨터공학과</a:t>
             </a:r>
+          </a:p>
+        </p:txBody>
+      </p:sp>
+      <p:sp>
+        <p:nvSpPr>
+          <p:cNvPr id="9" name="TextBox 8">
+            <a:extLst>
+              <a:ext uri="{FF2B5EF4-FFF2-40B4-BE49-F238E27FC236}">
+                <a16:creationId xmlns:a16="http://schemas.microsoft.com/office/drawing/2014/main" id="{D6C07B61-F8CA-9395-F49B-D6ACD7A6B7B0}"/>
+              </a:ext>
+            </a:extLst>
+          </p:cNvPr>
+          <p:cNvSpPr txBox="1"/>
+          <p:nvPr/>
+        </p:nvSpPr>
+        <p:spPr>
+          <a:xfrm>
+            <a:off x="2604338" y="3484198"/>
+            <a:ext cx="6983323" cy="417807"/>
+          </a:xfrm>
+          <a:prstGeom prst="rect">
+            <a:avLst/>
+          </a:prstGeom>
+          <a:noFill/>
+        </p:spPr>
+        <p:txBody>
+          <a:bodyPr wrap="none" rtlCol="0">
+            <a:spAutoFit/>
+          </a:bodyPr>
+          <a:lstStyle/>
+          <a:p>
+            <a:pPr marL="0" marR="0" indent="127000" algn="ctr" fontAlgn="base" latinLnBrk="0">
+              <a:lnSpc>
+                <a:spcPct val="130000"/>
+              </a:lnSpc>
+              <a:spcBef>
+                <a:spcPts val="800"/>
+              </a:spcBef>
+              <a:spcAft>
+                <a:spcPts val="800"/>
+              </a:spcAft>
+            </a:pPr>
+            <a:r>
+              <a:rPr lang="en-US" altLang="ko-KR" sz="1800" kern="0" spc="-70" dirty="0">
+                <a:solidFill>
+                  <a:schemeClr val="bg1"/>
+                </a:solidFill>
+                <a:effectLst/>
+                <a:latin typeface="배달의민족 한나체 Air" panose="020B0600000101010101" pitchFamily="50" charset="-127"/>
+                <a:ea typeface="배달의민족 한나체 Air" panose="020B0600000101010101" pitchFamily="50" charset="-127"/>
+              </a:rPr>
+              <a:t>Development of Personal Safety Equipment Wearing Confirmation System</a:t>
+            </a:r>
+            <a:endParaRPr lang="en-US" altLang="ko-KR" sz="1800" kern="0" spc="-60" dirty="0">
+              <a:solidFill>
+                <a:schemeClr val="bg1"/>
+              </a:solidFill>
+              <a:effectLst/>
+              <a:latin typeface="배달의민족 한나체 Air" panose="020B0600000101010101" pitchFamily="50" charset="-127"/>
+              <a:ea typeface="배달의민족 한나체 Air" panose="020B0600000101010101" pitchFamily="50" charset="-127"/>
+            </a:endParaRPr>
           </a:p>
         </p:txBody>
       </p:sp>
@@ -6390,165 +6451,75 @@
           </a:p>
         </p:txBody>
       </p:sp>
-      <p:grpSp>
-        <p:nvGrpSpPr>
-          <p:cNvPr id="6" name="그룹 5">
+      <p:sp>
+        <p:nvSpPr>
+          <p:cNvPr id="4" name="TextBox 3">
             <a:extLst>
               <a:ext uri="{FF2B5EF4-FFF2-40B4-BE49-F238E27FC236}">
-                <a16:creationId xmlns:a16="http://schemas.microsoft.com/office/drawing/2014/main" id="{B2DD93F0-CFCA-B819-C665-AE8AA28B727A}"/>
+                <a16:creationId xmlns:a16="http://schemas.microsoft.com/office/drawing/2014/main" id="{44A48078-82E0-46B0-BFB6-AC766ABB0F40}"/>
               </a:ext>
             </a:extLst>
           </p:cNvPr>
-          <p:cNvGrpSpPr/>
+          <p:cNvSpPr txBox="1"/>
           <p:nvPr/>
-        </p:nvGrpSpPr>
-        <p:grpSpPr>
+        </p:nvSpPr>
+        <p:spPr>
           <a:xfrm>
-            <a:off x="5125221" y="2805752"/>
-            <a:ext cx="1941557" cy="1246496"/>
-            <a:chOff x="5125223" y="2680230"/>
-            <a:chExt cx="1941557" cy="1246496"/>
+            <a:off x="4397875" y="3013502"/>
+            <a:ext cx="3396250" cy="830997"/>
           </a:xfrm>
-        </p:grpSpPr>
-        <p:sp>
-          <p:nvSpPr>
-            <p:cNvPr id="4" name="TextBox 3">
-              <a:extLst>
-                <a:ext uri="{FF2B5EF4-FFF2-40B4-BE49-F238E27FC236}">
-                  <a16:creationId xmlns:a16="http://schemas.microsoft.com/office/drawing/2014/main" id="{44A48078-82E0-46B0-BFB6-AC766ABB0F40}"/>
-                </a:ext>
-              </a:extLst>
-            </p:cNvPr>
-            <p:cNvSpPr txBox="1"/>
-            <p:nvPr/>
-          </p:nvSpPr>
-          <p:spPr>
-            <a:xfrm>
-              <a:off x="5242849" y="2680230"/>
-              <a:ext cx="1706301" cy="461665"/>
-            </a:xfrm>
-            <a:prstGeom prst="rect">
-              <a:avLst/>
-            </a:prstGeom>
-            <a:noFill/>
-          </p:spPr>
-          <p:txBody>
-            <a:bodyPr wrap="none" rtlCol="0">
-              <a:spAutoFit/>
-            </a:bodyPr>
-            <a:lstStyle/>
-            <a:p>
-              <a:pPr algn="ctr"/>
-              <a:r>
-                <a:rPr lang="en-US" altLang="ko-KR" sz="2400" spc="-150" dirty="0">
-                  <a:solidFill>
-                    <a:schemeClr val="bg1"/>
-                  </a:solidFill>
-                  <a:latin typeface="배달의민족 한나체 Air OTF" panose="020B0600000101010101" pitchFamily="34" charset="-127"/>
-                  <a:ea typeface="배달의민족 한나체 Air OTF" panose="020B0600000101010101" pitchFamily="34" charset="-127"/>
-                </a:rPr>
-                <a:t>THANK</a:t>
-              </a:r>
-              <a:r>
-                <a:rPr lang="ko-KR" altLang="en-US" sz="2400" spc="-150" dirty="0">
-                  <a:solidFill>
-                    <a:schemeClr val="bg1"/>
-                  </a:solidFill>
-                  <a:latin typeface="배달의민족 한나체 Air OTF" panose="020B0600000101010101" pitchFamily="34" charset="-127"/>
-                  <a:ea typeface="배달의민족 한나체 Air OTF" panose="020B0600000101010101" pitchFamily="34" charset="-127"/>
-                </a:rPr>
-                <a:t> </a:t>
-              </a:r>
-              <a:r>
-                <a:rPr lang="en-US" altLang="ko-KR" sz="2400" spc="-150" dirty="0">
-                  <a:solidFill>
-                    <a:schemeClr val="bg1"/>
-                  </a:solidFill>
-                  <a:latin typeface="배달의민족 한나체 Air OTF" panose="020B0600000101010101" pitchFamily="34" charset="-127"/>
-                  <a:ea typeface="배달의민족 한나체 Air OTF" panose="020B0600000101010101" pitchFamily="34" charset="-127"/>
-                </a:rPr>
-                <a:t>YOU</a:t>
-              </a:r>
-              <a:endParaRPr lang="ko-KR" altLang="en-US" sz="2400" spc="-150" dirty="0">
+          <a:prstGeom prst="rect">
+            <a:avLst/>
+          </a:prstGeom>
+          <a:noFill/>
+        </p:spPr>
+        <p:txBody>
+          <a:bodyPr wrap="none" rtlCol="0">
+            <a:spAutoFit/>
+          </a:bodyPr>
+          <a:lstStyle/>
+          <a:p>
+            <a:pPr algn="ctr"/>
+            <a:r>
+              <a:rPr lang="en-US" altLang="ko-KR" sz="4800" spc="-150" dirty="0">
                 <a:solidFill>
                   <a:schemeClr val="bg1"/>
                 </a:solidFill>
                 <a:latin typeface="배달의민족 한나체 Air OTF" panose="020B0600000101010101" pitchFamily="34" charset="-127"/>
                 <a:ea typeface="배달의민족 한나체 Air OTF" panose="020B0600000101010101" pitchFamily="34" charset="-127"/>
-              </a:endParaRPr>
-            </a:p>
-          </p:txBody>
-        </p:sp>
-        <p:sp>
-          <p:nvSpPr>
-            <p:cNvPr id="5" name="TextBox 4">
-              <a:extLst>
-                <a:ext uri="{FF2B5EF4-FFF2-40B4-BE49-F238E27FC236}">
-                  <a16:creationId xmlns:a16="http://schemas.microsoft.com/office/drawing/2014/main" id="{1138E00D-C0DE-724C-F642-9D56C384212C}"/>
-                </a:ext>
-              </a:extLst>
-            </p:cNvPr>
-            <p:cNvSpPr txBox="1"/>
-            <p:nvPr/>
-          </p:nvSpPr>
-          <p:spPr>
-            <a:xfrm>
-              <a:off x="5125223" y="2911063"/>
-              <a:ext cx="1941557" cy="1015663"/>
-            </a:xfrm>
-            <a:prstGeom prst="rect">
-              <a:avLst/>
-            </a:prstGeom>
-            <a:noFill/>
-          </p:spPr>
-          <p:txBody>
-            <a:bodyPr wrap="none" rtlCol="0">
-              <a:spAutoFit/>
-            </a:bodyPr>
-            <a:lstStyle/>
-            <a:p>
-              <a:pPr algn="ctr"/>
-              <a:r>
-                <a:rPr lang="en-US" altLang="ko-KR" sz="6000" dirty="0">
-                  <a:solidFill>
-                    <a:schemeClr val="bg1"/>
-                  </a:solidFill>
-                  <a:latin typeface="배달의민족 한나체 Air OTF" panose="020B0600000101010101" pitchFamily="34" charset="-127"/>
-                  <a:ea typeface="배달의민족 한나체 Air OTF" panose="020B0600000101010101" pitchFamily="34" charset="-127"/>
-                </a:rPr>
-                <a:t>Q</a:t>
-              </a:r>
-              <a:r>
-                <a:rPr lang="en-US" altLang="ko-KR" sz="4400" dirty="0">
-                  <a:solidFill>
-                    <a:schemeClr val="bg1"/>
-                  </a:solidFill>
-                  <a:latin typeface="배달의민족 한나체 Air OTF" panose="020B0600000101010101" pitchFamily="34" charset="-127"/>
-                  <a:ea typeface="배달의민족 한나체 Air OTF" panose="020B0600000101010101" pitchFamily="34" charset="-127"/>
-                </a:rPr>
-                <a:t> &amp; </a:t>
-              </a:r>
-              <a:r>
-                <a:rPr lang="en-US" altLang="ko-KR" sz="6000" dirty="0">
-                  <a:solidFill>
-                    <a:schemeClr val="bg1"/>
-                  </a:solidFill>
-                  <a:latin typeface="배달의민족 한나체 Air OTF" panose="020B0600000101010101" pitchFamily="34" charset="-127"/>
-                  <a:ea typeface="배달의민족 한나체 Air OTF" panose="020B0600000101010101" pitchFamily="34" charset="-127"/>
-                </a:rPr>
-                <a:t>A</a:t>
-              </a:r>
-              <a:endParaRPr lang="ko-KR" altLang="en-US" sz="4400" dirty="0">
+              </a:rPr>
+              <a:t>THANK</a:t>
+            </a:r>
+            <a:r>
+              <a:rPr lang="ko-KR" altLang="en-US" sz="4800" spc="-150" dirty="0">
                 <a:solidFill>
                   <a:schemeClr val="bg1"/>
                 </a:solidFill>
                 <a:latin typeface="배달의민족 한나체 Air OTF" panose="020B0600000101010101" pitchFamily="34" charset="-127"/>
                 <a:ea typeface="배달의민족 한나체 Air OTF" panose="020B0600000101010101" pitchFamily="34" charset="-127"/>
-              </a:endParaRPr>
-            </a:p>
-          </p:txBody>
-        </p:sp>
-      </p:grpSp>
+              </a:rPr>
+              <a:t> </a:t>
+            </a:r>
+            <a:r>
+              <a:rPr lang="en-US" altLang="ko-KR" sz="4800" spc="-150" dirty="0">
+                <a:solidFill>
+                  <a:schemeClr val="bg1"/>
+                </a:solidFill>
+                <a:latin typeface="배달의민족 한나체 Air OTF" panose="020B0600000101010101" pitchFamily="34" charset="-127"/>
+                <a:ea typeface="배달의민족 한나체 Air OTF" panose="020B0600000101010101" pitchFamily="34" charset="-127"/>
+              </a:rPr>
+              <a:t>YOU</a:t>
+            </a:r>
+            <a:endParaRPr lang="ko-KR" altLang="en-US" sz="4800" spc="-150" dirty="0">
+              <a:solidFill>
+                <a:schemeClr val="bg1"/>
+              </a:solidFill>
+              <a:latin typeface="배달의민족 한나체 Air OTF" panose="020B0600000101010101" pitchFamily="34" charset="-127"/>
+              <a:ea typeface="배달의민족 한나체 Air OTF" panose="020B0600000101010101" pitchFamily="34" charset="-127"/>
+            </a:endParaRPr>
+          </a:p>
+        </p:txBody>
+      </p:sp>
     </p:spTree>
     <p:extLst>
       <p:ext uri="{BB962C8B-B14F-4D97-AF65-F5344CB8AC3E}">
@@ -8465,481 +8436,455 @@
           </p:txBody>
         </p:sp>
       </p:grpSp>
-      <p:grpSp>
-        <p:nvGrpSpPr>
-          <p:cNvPr id="2" name="그룹 1"/>
-          <p:cNvGrpSpPr/>
+      <p:sp>
+        <p:nvSpPr>
+          <p:cNvPr id="13" name="직사각형 12"/>
+          <p:cNvSpPr/>
           <p:nvPr/>
-        </p:nvGrpSpPr>
-        <p:grpSpPr>
+        </p:nvSpPr>
+        <p:spPr>
           <a:xfrm>
-            <a:off x="905779" y="2072747"/>
-            <a:ext cx="10226678" cy="3423692"/>
-            <a:chOff x="531498" y="2796647"/>
-            <a:chExt cx="10561149" cy="3423692"/>
+            <a:off x="600363" y="5041245"/>
+            <a:ext cx="3340097" cy="439623"/>
           </a:xfrm>
-        </p:grpSpPr>
-        <p:pic>
-          <p:nvPicPr>
-            <p:cNvPr id="12" name="그림 11"/>
-            <p:cNvPicPr>
-              <a:picLocks noChangeAspect="1"/>
-            </p:cNvPicPr>
-            <p:nvPr/>
-          </p:nvPicPr>
-          <p:blipFill rotWithShape="1">
-            <a:blip r:embed="rId3"/>
-            <a:srcRect t="560"/>
-            <a:stretch>
-              <a:fillRect/>
-            </a:stretch>
-          </p:blipFill>
-          <p:spPr>
-            <a:xfrm>
-              <a:off x="531498" y="2796647"/>
-              <a:ext cx="2818532" cy="2445832"/>
-            </a:xfrm>
-            <a:prstGeom prst="rect">
-              <a:avLst/>
-            </a:prstGeom>
+          <a:prstGeom prst="rect">
+            <a:avLst/>
+          </a:prstGeom>
+          <a:noFill/>
+          <a:ln w="12700">
             <a:noFill/>
-            <a:ln w="12700">
-              <a:solidFill>
-                <a:schemeClr val="tx1"/>
-              </a:solidFill>
-            </a:ln>
-          </p:spPr>
-        </p:pic>
-        <p:sp>
-          <p:nvSpPr>
-            <p:cNvPr id="13" name="직사각형 12"/>
-            <p:cNvSpPr/>
-            <p:nvPr/>
-          </p:nvSpPr>
-          <p:spPr>
-            <a:xfrm>
-              <a:off x="610192" y="5780716"/>
-              <a:ext cx="2700494" cy="439623"/>
-            </a:xfrm>
-            <a:prstGeom prst="rect">
-              <a:avLst/>
-            </a:prstGeom>
+          </a:ln>
+        </p:spPr>
+        <p:style>
+          <a:lnRef idx="2">
+            <a:schemeClr val="accent1">
+              <a:shade val="50000"/>
+            </a:schemeClr>
+          </a:lnRef>
+          <a:fillRef idx="1">
+            <a:schemeClr val="accent1"/>
+          </a:fillRef>
+          <a:effectRef idx="0">
+            <a:schemeClr val="accent1"/>
+          </a:effectRef>
+          <a:fontRef idx="minor">
+            <a:schemeClr val="lt1"/>
+          </a:fontRef>
+        </p:style>
+        <p:txBody>
+          <a:bodyPr anchor="ctr"/>
+          <a:lstStyle/>
+          <a:p>
+            <a:pPr algn="ctr">
+              <a:defRPr/>
+            </a:pPr>
+            <a:r>
+              <a:rPr lang="en-US" altLang="ko-KR" sz="2400" dirty="0">
+                <a:solidFill>
+                  <a:schemeClr val="tx1"/>
+                </a:solidFill>
+                <a:latin typeface="배달의민족 한나체 Air OTF"/>
+                <a:ea typeface="배달의민족 한나체 Air OTF"/>
+              </a:rPr>
+              <a:t>YOLOv5-s</a:t>
+            </a:r>
+            <a:r>
+              <a:rPr lang="ko-KR" altLang="en-US" sz="2400" dirty="0">
+                <a:solidFill>
+                  <a:schemeClr val="tx1"/>
+                </a:solidFill>
+                <a:latin typeface="배달의민족 한나체 Air OTF"/>
+                <a:ea typeface="배달의민족 한나체 Air OTF"/>
+              </a:rPr>
+              <a:t>로 데이터 학습</a:t>
+            </a:r>
+          </a:p>
+        </p:txBody>
+      </p:sp>
+      <p:pic>
+        <p:nvPicPr>
+          <p:cNvPr id="19" name="그래픽 18" descr="오른쪽 화살표 단색으로 채워진"/>
+          <p:cNvPicPr>
+            <a:picLocks noChangeAspect="1"/>
+          </p:cNvPicPr>
+          <p:nvPr/>
+        </p:nvPicPr>
+        <p:blipFill rotWithShape="1">
+          <a:blip r:embed="rId3"/>
+          <a:stretch>
+            <a:fillRect/>
+          </a:stretch>
+        </p:blipFill>
+        <p:spPr>
+          <a:xfrm>
+            <a:off x="3959515" y="3075852"/>
+            <a:ext cx="308876" cy="439623"/>
+          </a:xfrm>
+          <a:prstGeom prst="rect">
+            <a:avLst/>
+          </a:prstGeom>
+        </p:spPr>
+      </p:pic>
+      <p:pic>
+        <p:nvPicPr>
+          <p:cNvPr id="25" name="그래픽 24" descr="오른쪽 화살표 단색으로 채워진"/>
+          <p:cNvPicPr>
+            <a:picLocks noChangeAspect="1"/>
+          </p:cNvPicPr>
+          <p:nvPr/>
+        </p:nvPicPr>
+        <p:blipFill rotWithShape="1">
+          <a:blip r:embed="rId3"/>
+          <a:stretch>
+            <a:fillRect/>
+          </a:stretch>
+        </p:blipFill>
+        <p:spPr>
+          <a:xfrm>
+            <a:off x="7819743" y="3075852"/>
+            <a:ext cx="308876" cy="439623"/>
+          </a:xfrm>
+          <a:prstGeom prst="rect">
+            <a:avLst/>
+          </a:prstGeom>
+        </p:spPr>
+      </p:pic>
+      <p:sp>
+        <p:nvSpPr>
+          <p:cNvPr id="26" name="직사각형 25"/>
+          <p:cNvSpPr/>
+          <p:nvPr/>
+        </p:nvSpPr>
+        <p:spPr>
+          <a:xfrm>
+            <a:off x="4434098" y="5041245"/>
+            <a:ext cx="3323803" cy="439623"/>
+          </a:xfrm>
+          <a:prstGeom prst="rect">
+            <a:avLst/>
+          </a:prstGeom>
+          <a:noFill/>
+          <a:ln>
             <a:noFill/>
-            <a:ln w="12700">
-              <a:noFill/>
-            </a:ln>
-          </p:spPr>
-          <p:style>
-            <a:lnRef idx="2">
-              <a:schemeClr val="accent1">
-                <a:shade val="50000"/>
-              </a:schemeClr>
-            </a:lnRef>
-            <a:fillRef idx="1">
-              <a:schemeClr val="accent1"/>
-            </a:fillRef>
-            <a:effectRef idx="0">
-              <a:schemeClr val="accent1"/>
-            </a:effectRef>
-            <a:fontRef idx="minor">
-              <a:schemeClr val="lt1"/>
-            </a:fontRef>
-          </p:style>
-          <p:txBody>
-            <a:bodyPr anchor="ctr"/>
-            <a:lstStyle/>
-            <a:p>
-              <a:pPr algn="ctr">
-                <a:defRPr/>
-              </a:pPr>
-              <a:r>
-                <a:rPr lang="en-US" altLang="ko-KR" sz="2400">
-                  <a:solidFill>
-                    <a:schemeClr val="tx1"/>
-                  </a:solidFill>
-                  <a:latin typeface="배달의민족 한나체 Air OTF"/>
-                  <a:ea typeface="배달의민족 한나체 Air OTF"/>
-                </a:rPr>
-                <a:t>Yolov5-s</a:t>
-              </a:r>
-              <a:r>
-                <a:rPr lang="ko-KR" altLang="en-US" sz="2400">
-                  <a:solidFill>
-                    <a:schemeClr val="tx1"/>
-                  </a:solidFill>
-                  <a:latin typeface="배달의민족 한나체 Air OTF"/>
-                  <a:ea typeface="배달의민족 한나체 Air OTF"/>
-                </a:rPr>
-                <a:t>로 데이터 학습</a:t>
-              </a:r>
-            </a:p>
-          </p:txBody>
-        </p:sp>
-        <p:pic>
-          <p:nvPicPr>
-            <p:cNvPr id="19" name="그래픽 18" descr="오른쪽 화살표 단색으로 채워진"/>
-            <p:cNvPicPr>
-              <a:picLocks noChangeAspect="1"/>
-            </p:cNvPicPr>
-            <p:nvPr/>
-          </p:nvPicPr>
-          <p:blipFill rotWithShape="1">
-            <a:blip r:embed="rId4"/>
-            <a:stretch>
-              <a:fillRect/>
-            </a:stretch>
-          </p:blipFill>
-          <p:spPr>
-            <a:xfrm>
-              <a:off x="3685109" y="3799752"/>
-              <a:ext cx="318978" cy="439623"/>
-            </a:xfrm>
-            <a:prstGeom prst="rect">
-              <a:avLst/>
-            </a:prstGeom>
-          </p:spPr>
-        </p:pic>
-        <p:pic>
-          <p:nvPicPr>
-            <p:cNvPr id="25" name="그래픽 24" descr="오른쪽 화살표 단색으로 채워진"/>
-            <p:cNvPicPr>
-              <a:picLocks noChangeAspect="1"/>
-            </p:cNvPicPr>
-            <p:nvPr/>
-          </p:nvPicPr>
-          <p:blipFill rotWithShape="1">
-            <a:blip r:embed="rId4"/>
-            <a:stretch>
-              <a:fillRect/>
-            </a:stretch>
-          </p:blipFill>
-          <p:spPr>
-            <a:xfrm>
-              <a:off x="7671589" y="3799752"/>
-              <a:ext cx="318978" cy="439623"/>
-            </a:xfrm>
-            <a:prstGeom prst="rect">
-              <a:avLst/>
-            </a:prstGeom>
-          </p:spPr>
-        </p:pic>
-        <p:sp>
-          <p:nvSpPr>
-            <p:cNvPr id="26" name="직사각형 25"/>
-            <p:cNvSpPr/>
-            <p:nvPr/>
-          </p:nvSpPr>
-          <p:spPr>
-            <a:xfrm>
-              <a:off x="4174842" y="5765145"/>
-              <a:ext cx="3432511" cy="439623"/>
-            </a:xfrm>
-            <a:prstGeom prst="rect">
-              <a:avLst/>
-            </a:prstGeom>
+          </a:ln>
+        </p:spPr>
+        <p:style>
+          <a:lnRef idx="2">
+            <a:schemeClr val="accent1">
+              <a:shade val="50000"/>
+            </a:schemeClr>
+          </a:lnRef>
+          <a:fillRef idx="1">
+            <a:schemeClr val="accent1"/>
+          </a:fillRef>
+          <a:effectRef idx="0">
+            <a:schemeClr val="accent1"/>
+          </a:effectRef>
+          <a:fontRef idx="minor">
+            <a:schemeClr val="lt1"/>
+          </a:fontRef>
+        </p:style>
+        <p:txBody>
+          <a:bodyPr anchor="ctr"/>
+          <a:lstStyle/>
+          <a:p>
+            <a:pPr algn="ctr">
+              <a:defRPr/>
+            </a:pPr>
+            <a:r>
+              <a:rPr lang="ko-KR" altLang="en-US" sz="2400" dirty="0">
+                <a:solidFill>
+                  <a:schemeClr val="tx1"/>
+                </a:solidFill>
+                <a:latin typeface="배달의민족 한나체 Air OTF"/>
+                <a:ea typeface="배달의민족 한나체 Air OTF"/>
+              </a:rPr>
+              <a:t>모델</a:t>
+            </a:r>
+            <a:r>
+              <a:rPr lang="en-US" altLang="ko-KR" sz="2400">
+                <a:solidFill>
+                  <a:schemeClr val="tx1"/>
+                </a:solidFill>
+                <a:latin typeface="배달의민족 한나체 Air OTF"/>
+                <a:ea typeface="배달의민족 한나체 Air OTF"/>
+              </a:rPr>
+              <a:t>,</a:t>
+            </a:r>
+            <a:r>
+              <a:rPr lang="ko-KR" altLang="en-US" sz="2400">
+                <a:solidFill>
+                  <a:schemeClr val="tx1"/>
+                </a:solidFill>
+                <a:latin typeface="배달의민족 한나체 Air OTF"/>
+                <a:ea typeface="배달의민족 한나체 Air OTF"/>
+              </a:rPr>
+              <a:t> </a:t>
+            </a:r>
+            <a:r>
+              <a:rPr lang="ko-KR" altLang="en-US" sz="2400" dirty="0">
+                <a:solidFill>
+                  <a:schemeClr val="tx1"/>
+                </a:solidFill>
+                <a:latin typeface="배달의민족 한나체 Air OTF"/>
+                <a:ea typeface="배달의민족 한나체 Air OTF"/>
+              </a:rPr>
+              <a:t>데이터를 </a:t>
+            </a:r>
+          </a:p>
+          <a:p>
+            <a:pPr algn="ctr">
+              <a:defRPr/>
+            </a:pPr>
+            <a:r>
+              <a:rPr lang="en-US" altLang="ko-KR" sz="2400">
+                <a:solidFill>
+                  <a:schemeClr val="tx1"/>
+                </a:solidFill>
+                <a:latin typeface="배달의민족 한나체 Air OTF"/>
+                <a:ea typeface="배달의민족 한나체 Air OTF"/>
+              </a:rPr>
+              <a:t>Jetson</a:t>
+            </a:r>
+            <a:r>
+              <a:rPr lang="ko-KR" altLang="en-US" sz="2400">
+                <a:solidFill>
+                  <a:schemeClr val="tx1"/>
+                </a:solidFill>
+                <a:latin typeface="배달의민족 한나체 Air OTF"/>
+                <a:ea typeface="배달의민족 한나체 Air OTF"/>
+              </a:rPr>
+              <a:t> </a:t>
+            </a:r>
+            <a:r>
+              <a:rPr lang="en-US" altLang="ko-KR" sz="2400">
+                <a:solidFill>
+                  <a:schemeClr val="tx1"/>
+                </a:solidFill>
+                <a:latin typeface="배달의민족 한나체 Air OTF"/>
+                <a:ea typeface="배달의민족 한나체 Air OTF"/>
+              </a:rPr>
+              <a:t>Nano</a:t>
+            </a:r>
+            <a:r>
+              <a:rPr lang="ko-KR" altLang="en-US" sz="2400">
+                <a:solidFill>
+                  <a:schemeClr val="tx1"/>
+                </a:solidFill>
+                <a:latin typeface="배달의민족 한나체 Air OTF"/>
+                <a:ea typeface="배달의민족 한나체 Air OTF"/>
+              </a:rPr>
+              <a:t>에 </a:t>
+            </a:r>
+            <a:r>
+              <a:rPr lang="ko-KR" altLang="en-US" sz="2400" dirty="0">
+                <a:solidFill>
+                  <a:schemeClr val="tx1"/>
+                </a:solidFill>
+                <a:latin typeface="배달의민족 한나체 Air OTF"/>
+                <a:ea typeface="배달의민족 한나체 Air OTF"/>
+              </a:rPr>
+              <a:t>이식</a:t>
+            </a:r>
+          </a:p>
+        </p:txBody>
+      </p:sp>
+      <p:pic>
+        <p:nvPicPr>
+          <p:cNvPr id="28" name="그림 27"/>
+          <p:cNvPicPr>
+            <a:picLocks noChangeAspect="1"/>
+          </p:cNvPicPr>
+          <p:nvPr/>
+        </p:nvPicPr>
+        <p:blipFill rotWithShape="1">
+          <a:blip r:embed="rId4"/>
+          <a:stretch>
+            <a:fillRect/>
+          </a:stretch>
+        </p:blipFill>
+        <p:spPr>
+          <a:xfrm>
+            <a:off x="4561859" y="2072748"/>
+            <a:ext cx="2933105" cy="2445831"/>
+          </a:xfrm>
+          <a:prstGeom prst="rect">
+            <a:avLst/>
+          </a:prstGeom>
+          <a:ln w="12700">
+            <a:solidFill>
+              <a:schemeClr val="tx1"/>
+            </a:solidFill>
+          </a:ln>
+        </p:spPr>
+      </p:pic>
+      <p:sp>
+        <p:nvSpPr>
+          <p:cNvPr id="30" name="직사각형 29"/>
+          <p:cNvSpPr/>
+          <p:nvPr/>
+        </p:nvSpPr>
+        <p:spPr>
+          <a:xfrm>
+            <a:off x="8600315" y="5008487"/>
+            <a:ext cx="2563744" cy="439623"/>
+          </a:xfrm>
+          <a:prstGeom prst="rect">
+            <a:avLst/>
+          </a:prstGeom>
+          <a:noFill/>
+          <a:ln>
             <a:noFill/>
-            <a:ln>
-              <a:noFill/>
-            </a:ln>
-          </p:spPr>
-          <p:style>
-            <a:lnRef idx="2">
-              <a:schemeClr val="accent1">
-                <a:shade val="50000"/>
-              </a:schemeClr>
-            </a:lnRef>
-            <a:fillRef idx="1">
-              <a:schemeClr val="accent1"/>
-            </a:fillRef>
-            <a:effectRef idx="0">
-              <a:schemeClr val="accent1"/>
-            </a:effectRef>
-            <a:fontRef idx="minor">
-              <a:schemeClr val="lt1"/>
-            </a:fontRef>
-          </p:style>
-          <p:txBody>
-            <a:bodyPr anchor="ctr"/>
-            <a:lstStyle/>
-            <a:p>
-              <a:pPr algn="ctr">
-                <a:defRPr/>
-              </a:pPr>
-              <a:r>
-                <a:rPr lang="ko-KR" altLang="en-US" sz="2400">
-                  <a:solidFill>
-                    <a:schemeClr val="tx1"/>
-                  </a:solidFill>
-                  <a:latin typeface="배달의민족 한나체 Air OTF"/>
-                  <a:ea typeface="배달의민족 한나체 Air OTF"/>
-                </a:rPr>
-                <a:t>모델</a:t>
-              </a:r>
-              <a:r>
-                <a:rPr lang="en-US" altLang="ko-KR" sz="2400">
-                  <a:solidFill>
-                    <a:schemeClr val="tx1"/>
-                  </a:solidFill>
-                  <a:latin typeface="배달의민족 한나체 Air OTF"/>
-                  <a:ea typeface="배달의민족 한나체 Air OTF"/>
-                </a:rPr>
-                <a:t>,</a:t>
-              </a:r>
-              <a:r>
-                <a:rPr lang="ko-KR" altLang="en-US" sz="2400">
-                  <a:solidFill>
-                    <a:schemeClr val="tx1"/>
-                  </a:solidFill>
-                  <a:latin typeface="배달의민족 한나체 Air OTF"/>
-                  <a:ea typeface="배달의민족 한나체 Air OTF"/>
-                </a:rPr>
-                <a:t> 데이터를 </a:t>
-              </a:r>
-            </a:p>
-            <a:p>
-              <a:pPr algn="ctr">
-                <a:defRPr/>
-              </a:pPr>
-              <a:r>
-                <a:rPr lang="en-US" altLang="ko-KR" sz="2400">
-                  <a:solidFill>
-                    <a:schemeClr val="tx1"/>
-                  </a:solidFill>
-                  <a:latin typeface="배달의민족 한나체 Air OTF"/>
-                  <a:ea typeface="배달의민족 한나체 Air OTF"/>
-                </a:rPr>
-                <a:t>Jetson</a:t>
-              </a:r>
-              <a:r>
-                <a:rPr lang="ko-KR" altLang="en-US" sz="2400">
-                  <a:solidFill>
-                    <a:schemeClr val="tx1"/>
-                  </a:solidFill>
-                  <a:latin typeface="배달의민족 한나체 Air OTF"/>
-                  <a:ea typeface="배달의민족 한나체 Air OTF"/>
-                </a:rPr>
-                <a:t> </a:t>
-              </a:r>
-              <a:r>
-                <a:rPr lang="en-US" altLang="ko-KR" sz="2400">
-                  <a:solidFill>
-                    <a:schemeClr val="tx1"/>
-                  </a:solidFill>
-                  <a:latin typeface="배달의민족 한나체 Air OTF"/>
-                  <a:ea typeface="배달의민족 한나체 Air OTF"/>
-                </a:rPr>
-                <a:t>Nano</a:t>
-              </a:r>
-              <a:r>
-                <a:rPr lang="ko-KR" altLang="en-US" sz="2400">
-                  <a:solidFill>
-                    <a:schemeClr val="tx1"/>
-                  </a:solidFill>
-                  <a:latin typeface="배달의민족 한나체 Air OTF"/>
-                  <a:ea typeface="배달의민족 한나체 Air OTF"/>
-                </a:rPr>
-                <a:t>에 이식</a:t>
-              </a:r>
-            </a:p>
-          </p:txBody>
-        </p:sp>
-        <p:pic>
-          <p:nvPicPr>
-            <p:cNvPr id="28" name="그림 27"/>
-            <p:cNvPicPr>
-              <a:picLocks noChangeAspect="1"/>
-            </p:cNvPicPr>
-            <p:nvPr/>
-          </p:nvPicPr>
-          <p:blipFill rotWithShape="1">
-            <a:blip r:embed="rId5"/>
-            <a:stretch>
-              <a:fillRect/>
-            </a:stretch>
-          </p:blipFill>
-          <p:spPr>
-            <a:xfrm>
-              <a:off x="4299232" y="2796648"/>
-              <a:ext cx="3029034" cy="2445831"/>
-            </a:xfrm>
-            <a:prstGeom prst="rect">
-              <a:avLst/>
-            </a:prstGeom>
-            <a:ln w="12700">
-              <a:solidFill>
-                <a:schemeClr val="tx1"/>
-              </a:solidFill>
-            </a:ln>
-          </p:spPr>
-        </p:pic>
-        <p:sp>
-          <p:nvSpPr>
-            <p:cNvPr id="30" name="직사각형 29"/>
-            <p:cNvSpPr/>
-            <p:nvPr/>
-          </p:nvSpPr>
-          <p:spPr>
-            <a:xfrm>
-              <a:off x="8445054" y="5694995"/>
-              <a:ext cx="2647593" cy="439623"/>
-            </a:xfrm>
-            <a:prstGeom prst="rect">
-              <a:avLst/>
-            </a:prstGeom>
-            <a:noFill/>
-            <a:ln>
-              <a:noFill/>
-            </a:ln>
-          </p:spPr>
-          <p:style>
-            <a:lnRef idx="2">
-              <a:schemeClr val="accent1">
-                <a:shade val="50000"/>
-              </a:schemeClr>
-            </a:lnRef>
-            <a:fillRef idx="1">
-              <a:schemeClr val="accent1"/>
-            </a:fillRef>
-            <a:effectRef idx="0">
-              <a:schemeClr val="accent1"/>
-            </a:effectRef>
-            <a:fontRef idx="minor">
-              <a:schemeClr val="lt1"/>
-            </a:fontRef>
-          </p:style>
-          <p:txBody>
-            <a:bodyPr anchor="ctr"/>
-            <a:lstStyle/>
-            <a:p>
-              <a:pPr algn="ctr">
-                <a:defRPr/>
-              </a:pPr>
-              <a:r>
-                <a:rPr lang="ko-KR" altLang="en-US" sz="2400">
-                  <a:solidFill>
-                    <a:schemeClr val="tx1"/>
-                  </a:solidFill>
-                  <a:latin typeface="배달의민족 한나체 Air OTF"/>
-                  <a:ea typeface="배달의민족 한나체 Air OTF"/>
-                </a:rPr>
-                <a:t>안전장비 검출</a:t>
-              </a:r>
-            </a:p>
-          </p:txBody>
-        </p:sp>
-        <p:sp>
-          <p:nvSpPr>
-            <p:cNvPr id="36" name="화살표: 오른쪽 35"/>
-            <p:cNvSpPr/>
-            <p:nvPr/>
-          </p:nvSpPr>
-          <p:spPr>
-            <a:xfrm>
-              <a:off x="3618454" y="3885764"/>
-              <a:ext cx="467274" cy="350247"/>
-            </a:xfrm>
-            <a:prstGeom prst="rightArrow">
-              <a:avLst>
-                <a:gd name="adj1" fmla="val 50000"/>
-                <a:gd name="adj2" fmla="val 50000"/>
-              </a:avLst>
-            </a:prstGeom>
+          </a:ln>
+        </p:spPr>
+        <p:style>
+          <a:lnRef idx="2">
+            <a:schemeClr val="accent1">
+              <a:shade val="50000"/>
+            </a:schemeClr>
+          </a:lnRef>
+          <a:fillRef idx="1">
+            <a:schemeClr val="accent1"/>
+          </a:fillRef>
+          <a:effectRef idx="0">
+            <a:schemeClr val="accent1"/>
+          </a:effectRef>
+          <a:fontRef idx="minor">
+            <a:schemeClr val="lt1"/>
+          </a:fontRef>
+        </p:style>
+        <p:txBody>
+          <a:bodyPr anchor="ctr"/>
+          <a:lstStyle/>
+          <a:p>
+            <a:pPr algn="ctr">
+              <a:defRPr/>
+            </a:pPr>
+            <a:r>
+              <a:rPr lang="ko-KR" altLang="en-US" sz="2400" dirty="0">
+                <a:solidFill>
+                  <a:schemeClr val="tx1"/>
+                </a:solidFill>
+                <a:latin typeface="배달의민족 한나체 Air OTF"/>
+                <a:ea typeface="배달의민족 한나체 Air OTF"/>
+              </a:rPr>
+              <a:t>안전장비 검출</a:t>
+            </a:r>
+          </a:p>
+        </p:txBody>
+      </p:sp>
+      <p:sp>
+        <p:nvSpPr>
+          <p:cNvPr id="36" name="화살표: 오른쪽 35"/>
+          <p:cNvSpPr/>
+          <p:nvPr/>
+        </p:nvSpPr>
+        <p:spPr>
+          <a:xfrm>
+            <a:off x="3929390" y="3161864"/>
+            <a:ext cx="452475" cy="350247"/>
+          </a:xfrm>
+          <a:prstGeom prst="rightArrow">
+            <a:avLst>
+              <a:gd name="adj1" fmla="val 50000"/>
+              <a:gd name="adj2" fmla="val 50000"/>
+            </a:avLst>
+          </a:prstGeom>
+          <a:solidFill>
+            <a:srgbClr val="00608A"/>
+          </a:solidFill>
+          <a:ln w="28575">
             <a:solidFill>
               <a:srgbClr val="00608A"/>
             </a:solidFill>
-            <a:ln w="28575">
-              <a:solidFill>
-                <a:srgbClr val="00608A"/>
-              </a:solidFill>
-            </a:ln>
-          </p:spPr>
-          <p:style>
-            <a:lnRef idx="2">
-              <a:schemeClr val="accent1">
-                <a:shade val="50000"/>
-              </a:schemeClr>
-            </a:lnRef>
-            <a:fillRef idx="1">
-              <a:schemeClr val="accent1"/>
-            </a:fillRef>
-            <a:effectRef idx="0">
-              <a:schemeClr val="accent1"/>
-            </a:effectRef>
-            <a:fontRef idx="minor">
-              <a:schemeClr val="lt1"/>
-            </a:fontRef>
-          </p:style>
-          <p:txBody>
-            <a:bodyPr anchor="ctr"/>
-            <a:lstStyle/>
-            <a:p>
-              <a:pPr algn="ctr">
-                <a:defRPr/>
-              </a:pPr>
-              <a:endParaRPr lang="ko-KR" altLang="en-US">
-                <a:latin typeface="배달의민족 한나체 Air OTF"/>
-                <a:ea typeface="배달의민족 한나체 Air OTF"/>
-              </a:endParaRPr>
-            </a:p>
-          </p:txBody>
-        </p:sp>
-        <p:sp>
-          <p:nvSpPr>
-            <p:cNvPr id="37" name="화살표: 오른쪽 36"/>
-            <p:cNvSpPr/>
-            <p:nvPr/>
-          </p:nvSpPr>
-          <p:spPr>
-            <a:xfrm>
-              <a:off x="7591956" y="3885764"/>
-              <a:ext cx="467274" cy="350247"/>
-            </a:xfrm>
-            <a:prstGeom prst="rightArrow">
-              <a:avLst>
-                <a:gd name="adj1" fmla="val 50000"/>
-                <a:gd name="adj2" fmla="val 50000"/>
-              </a:avLst>
-            </a:prstGeom>
+          </a:ln>
+        </p:spPr>
+        <p:style>
+          <a:lnRef idx="2">
+            <a:schemeClr val="accent1">
+              <a:shade val="50000"/>
+            </a:schemeClr>
+          </a:lnRef>
+          <a:fillRef idx="1">
+            <a:schemeClr val="accent1"/>
+          </a:fillRef>
+          <a:effectRef idx="0">
+            <a:schemeClr val="accent1"/>
+          </a:effectRef>
+          <a:fontRef idx="minor">
+            <a:schemeClr val="lt1"/>
+          </a:fontRef>
+        </p:style>
+        <p:txBody>
+          <a:bodyPr anchor="ctr"/>
+          <a:lstStyle/>
+          <a:p>
+            <a:pPr algn="ctr">
+              <a:defRPr/>
+            </a:pPr>
+            <a:endParaRPr lang="ko-KR" altLang="en-US">
+              <a:latin typeface="배달의민족 한나체 Air OTF"/>
+              <a:ea typeface="배달의민족 한나체 Air OTF"/>
+            </a:endParaRPr>
+          </a:p>
+        </p:txBody>
+      </p:sp>
+      <p:sp>
+        <p:nvSpPr>
+          <p:cNvPr id="37" name="화살표: 오른쪽 36"/>
+          <p:cNvSpPr/>
+          <p:nvPr/>
+        </p:nvSpPr>
+        <p:spPr>
+          <a:xfrm>
+            <a:off x="7726268" y="3161864"/>
+            <a:ext cx="452475" cy="350247"/>
+          </a:xfrm>
+          <a:prstGeom prst="rightArrow">
+            <a:avLst>
+              <a:gd name="adj1" fmla="val 50000"/>
+              <a:gd name="adj2" fmla="val 50000"/>
+            </a:avLst>
+          </a:prstGeom>
+          <a:solidFill>
+            <a:srgbClr val="00608A"/>
+          </a:solidFill>
+          <a:ln w="28575">
             <a:solidFill>
               <a:srgbClr val="00608A"/>
             </a:solidFill>
-            <a:ln w="28575">
-              <a:solidFill>
-                <a:srgbClr val="00608A"/>
-              </a:solidFill>
-            </a:ln>
-          </p:spPr>
-          <p:style>
-            <a:lnRef idx="2">
-              <a:schemeClr val="accent1">
-                <a:shade val="50000"/>
-              </a:schemeClr>
-            </a:lnRef>
-            <a:fillRef idx="1">
-              <a:schemeClr val="accent1"/>
-            </a:fillRef>
-            <a:effectRef idx="0">
-              <a:schemeClr val="accent1"/>
-            </a:effectRef>
-            <a:fontRef idx="minor">
-              <a:schemeClr val="lt1"/>
-            </a:fontRef>
-          </p:style>
-          <p:txBody>
-            <a:bodyPr anchor="ctr"/>
-            <a:lstStyle/>
-            <a:p>
-              <a:pPr algn="ctr">
-                <a:defRPr/>
-              </a:pPr>
-              <a:endParaRPr lang="ko-KR" altLang="en-US">
-                <a:latin typeface="배달의민족 한나체 Air OTF"/>
-                <a:ea typeface="배달의민족 한나체 Air OTF"/>
-              </a:endParaRPr>
-            </a:p>
-          </p:txBody>
-        </p:sp>
-      </p:grpSp>
+          </a:ln>
+        </p:spPr>
+        <p:style>
+          <a:lnRef idx="2">
+            <a:schemeClr val="accent1">
+              <a:shade val="50000"/>
+            </a:schemeClr>
+          </a:lnRef>
+          <a:fillRef idx="1">
+            <a:schemeClr val="accent1"/>
+          </a:fillRef>
+          <a:effectRef idx="0">
+            <a:schemeClr val="accent1"/>
+          </a:effectRef>
+          <a:fontRef idx="minor">
+            <a:schemeClr val="lt1"/>
+          </a:fontRef>
+        </p:style>
+        <p:txBody>
+          <a:bodyPr anchor="ctr"/>
+          <a:lstStyle/>
+          <a:p>
+            <a:pPr algn="ctr">
+              <a:defRPr/>
+            </a:pPr>
+            <a:endParaRPr lang="ko-KR" altLang="en-US">
+              <a:latin typeface="배달의민족 한나체 Air OTF"/>
+              <a:ea typeface="배달의민족 한나체 Air OTF"/>
+            </a:endParaRPr>
+          </a:p>
+        </p:txBody>
+      </p:sp>
       <p:sp>
         <p:nvSpPr>
           <p:cNvPr id="38" name="슬라이드 번호 개체 틀 1"/>
@@ -9122,7 +9067,7 @@
           <p:nvPr/>
         </p:nvPicPr>
         <p:blipFill rotWithShape="1">
-          <a:blip r:embed="rId6"/>
+          <a:blip r:embed="rId5"/>
           <a:stretch>
             <a:fillRect/>
           </a:stretch>
@@ -9142,33 +9087,87 @@
           </a:ln>
         </p:spPr>
       </p:pic>
-      <p:pic>
-        <p:nvPicPr>
-          <p:cNvPr id="48" name="그림 47"/>
-          <p:cNvPicPr>
-            <a:picLocks noChangeAspect="1"/>
-          </p:cNvPicPr>
+      <p:grpSp>
+        <p:nvGrpSpPr>
+          <p:cNvPr id="3" name="그룹 2">
+            <a:extLst>
+              <a:ext uri="{FF2B5EF4-FFF2-40B4-BE49-F238E27FC236}">
+                <a16:creationId xmlns:a16="http://schemas.microsoft.com/office/drawing/2014/main" id="{B9A22D73-8BC1-4014-A225-8FBEAC5AAB86}"/>
+              </a:ext>
+            </a:extLst>
+          </p:cNvPr>
+          <p:cNvGrpSpPr/>
           <p:nvPr/>
-        </p:nvPicPr>
-        <p:blipFill rotWithShape="1">
-          <a:blip r:embed="rId7"/>
-          <a:stretch>
-            <a:fillRect/>
-          </a:stretch>
-        </p:blipFill>
-        <p:spPr>
+        </p:nvGrpSpPr>
+        <p:grpSpPr>
           <a:xfrm>
-            <a:off x="894050" y="2054275"/>
-            <a:ext cx="2752725" cy="742950"/>
+            <a:off x="799740" y="2054275"/>
+            <a:ext cx="2944834" cy="2464304"/>
+            <a:chOff x="894050" y="2054275"/>
+            <a:chExt cx="2944834" cy="2464304"/>
           </a:xfrm>
-          <a:prstGeom prst="rect">
-            <a:avLst/>
-          </a:prstGeom>
-          <a:ln>
+        </p:grpSpPr>
+        <p:pic>
+          <p:nvPicPr>
+            <p:cNvPr id="12" name="그림 11"/>
+            <p:cNvPicPr>
+              <a:picLocks noChangeAspect="1"/>
+            </p:cNvPicPr>
+            <p:nvPr/>
+          </p:nvPicPr>
+          <p:blipFill rotWithShape="1">
+            <a:blip r:embed="rId6"/>
+            <a:srcRect t="560"/>
+            <a:stretch>
+              <a:fillRect/>
+            </a:stretch>
+          </p:blipFill>
+          <p:spPr>
+            <a:xfrm>
+              <a:off x="905779" y="2072747"/>
+              <a:ext cx="2933105" cy="2445832"/>
+            </a:xfrm>
+            <a:prstGeom prst="rect">
+              <a:avLst/>
+            </a:prstGeom>
             <a:noFill/>
-          </a:ln>
-        </p:spPr>
-      </p:pic>
+            <a:ln w="12700">
+              <a:solidFill>
+                <a:schemeClr val="tx1"/>
+              </a:solidFill>
+            </a:ln>
+          </p:spPr>
+        </p:pic>
+        <p:pic>
+          <p:nvPicPr>
+            <p:cNvPr id="48" name="그림 47"/>
+            <p:cNvPicPr>
+              <a:picLocks noChangeAspect="1"/>
+            </p:cNvPicPr>
+            <p:nvPr/>
+          </p:nvPicPr>
+          <p:blipFill rotWithShape="1">
+            <a:blip r:embed="rId7"/>
+            <a:stretch>
+              <a:fillRect/>
+            </a:stretch>
+          </p:blipFill>
+          <p:spPr>
+            <a:xfrm>
+              <a:off x="894050" y="2054275"/>
+              <a:ext cx="2944834" cy="742950"/>
+            </a:xfrm>
+            <a:prstGeom prst="rect">
+              <a:avLst/>
+            </a:prstGeom>
+            <a:ln>
+              <a:solidFill>
+                <a:schemeClr val="tx1"/>
+              </a:solidFill>
+            </a:ln>
+          </p:spPr>
+        </p:pic>
+      </p:grpSp>
     </p:spTree>
   </p:cSld>
   <p:clrMapOvr>
@@ -9178,7 +9177,7 @@
     <mc:Choice Requires="p14">
       <p:transition/>
     </mc:Choice>
-    <mc:Fallback xmlns:dsp="http://schemas.microsoft.com/office/drawing/2008/diagram" xmlns:dgm="http://schemas.openxmlformats.org/drawingml/2006/diagram" xmlns:c="http://schemas.openxmlformats.org/drawingml/2006/chart" xmlns="">
+    <mc:Fallback xmlns="" xmlns:c="http://schemas.openxmlformats.org/drawingml/2006/chart" xmlns:dgm="http://schemas.openxmlformats.org/drawingml/2006/diagram" xmlns:dsp="http://schemas.microsoft.com/office/drawing/2008/diagram">
       <p:transition/>
     </mc:Fallback>
   </mc:AlternateContent>
@@ -9556,9 +9555,9 @@
         <p:grpSpPr>
           <a:xfrm>
             <a:off x="639469" y="2359856"/>
-            <a:ext cx="5567268" cy="2766608"/>
+            <a:ext cx="5567268" cy="2732753"/>
             <a:chOff x="639469" y="1712709"/>
-            <a:chExt cx="5567268" cy="2766608"/>
+            <a:chExt cx="5567268" cy="2732753"/>
           </a:xfrm>
         </p:grpSpPr>
         <p:sp>
@@ -9576,7 +9575,7 @@
           <p:spPr>
             <a:xfrm>
               <a:off x="639469" y="1712709"/>
-              <a:ext cx="5567268" cy="1005275"/>
+              <a:ext cx="5567268" cy="941796"/>
             </a:xfrm>
             <a:prstGeom prst="rect">
               <a:avLst/>
@@ -9597,34 +9596,34 @@
                 <a:buChar char="•"/>
               </a:pPr>
               <a:r>
-                <a:rPr lang="ko-KR" altLang="en-US" sz="2600" spc="-150" dirty="0">
+                <a:rPr lang="ko-KR" altLang="en-US" sz="2400" spc="-150" dirty="0">
                   <a:latin typeface="배달의민족 한나체 Air OTF" panose="020B0600000101010101" pitchFamily="34" charset="-127"/>
                   <a:ea typeface="배달의민족 한나체 Air OTF" panose="020B0600000101010101" pitchFamily="34" charset="-127"/>
                 </a:rPr>
                 <a:t>데이터</a:t>
               </a:r>
               <a:r>
-                <a:rPr lang="en-US" altLang="ko-KR" sz="2600" spc="-150" dirty="0">
+                <a:rPr lang="en-US" altLang="ko-KR" sz="2400" spc="-150" dirty="0">
                   <a:latin typeface="배달의민족 한나체 Air OTF" panose="020B0600000101010101" pitchFamily="34" charset="-127"/>
                   <a:ea typeface="배달의민족 한나체 Air OTF" panose="020B0600000101010101" pitchFamily="34" charset="-127"/>
                 </a:rPr>
                 <a:t>:  </a:t>
               </a:r>
               <a:r>
-                <a:rPr lang="en-US" altLang="ko-KR" sz="2600" spc="-150" dirty="0" err="1">
+                <a:rPr lang="en-US" altLang="ko-KR" sz="2400" spc="-150" dirty="0" err="1">
                   <a:latin typeface="배달의민족 한나체 Air OTF" panose="020B0600000101010101" pitchFamily="34" charset="-127"/>
                   <a:ea typeface="배달의민족 한나체 Air OTF" panose="020B0600000101010101" pitchFamily="34" charset="-127"/>
                 </a:rPr>
                 <a:t>AIHub</a:t>
               </a:r>
               <a:r>
-                <a:rPr lang="ko-KR" altLang="en-US" sz="2600" spc="-150" dirty="0">
+                <a:rPr lang="ko-KR" altLang="en-US" sz="2400" spc="-150" dirty="0">
                   <a:latin typeface="배달의민족 한나체 Air OTF" panose="020B0600000101010101" pitchFamily="34" charset="-127"/>
                   <a:ea typeface="배달의민족 한나체 Air OTF" panose="020B0600000101010101" pitchFamily="34" charset="-127"/>
                 </a:rPr>
                 <a:t>의 </a:t>
               </a:r>
-              <a:endParaRPr lang="en-US" altLang="ko-KR" sz="2600" spc="-150" dirty="0">
+              <a:endParaRPr lang="en-US" altLang="ko-KR" sz="2400" spc="-150" dirty="0">
                 <a:latin typeface="배달의민족 한나체 Air OTF" panose="020B0600000101010101" pitchFamily="34" charset="-127"/>
                 <a:ea typeface="배달의민족 한나체 Air OTF" panose="020B0600000101010101" pitchFamily="34" charset="-127"/>
               </a:endParaRPr>
@@ -9636,21 +9635,21 @@
                 </a:lnSpc>
               </a:pPr>
               <a:r>
-                <a:rPr lang="en-US" altLang="ko-KR" sz="2600" spc="-150" dirty="0">
+                <a:rPr lang="en-US" altLang="ko-KR" sz="2400" spc="-150" dirty="0">
                   <a:latin typeface="배달의민족 한나체 Air OTF" panose="020B0600000101010101" pitchFamily="34" charset="-127"/>
                   <a:ea typeface="배달의민족 한나체 Air OTF" panose="020B0600000101010101" pitchFamily="34" charset="-127"/>
                 </a:rPr>
                 <a:t>    “</a:t>
               </a:r>
               <a:r>
-                <a:rPr lang="ko-KR" altLang="en-US" sz="2600" spc="-150" dirty="0">
+                <a:rPr lang="ko-KR" altLang="en-US" sz="2400" spc="-150" dirty="0">
                   <a:latin typeface="배달의민족 한나체 Air OTF" panose="020B0600000101010101" pitchFamily="34" charset="-127"/>
                   <a:ea typeface="배달의민족 한나체 Air OTF" panose="020B0600000101010101" pitchFamily="34" charset="-127"/>
                 </a:rPr>
                 <a:t>공사현장 안전 장비 인식 이미지</a:t>
               </a:r>
               <a:r>
-                <a:rPr lang="en-US" altLang="ko-KR" sz="2600" spc="-150" dirty="0">
+                <a:rPr lang="en-US" altLang="ko-KR" sz="2400" spc="-150" dirty="0">
                   <a:latin typeface="배달의민족 한나체 Air OTF" panose="020B0600000101010101" pitchFamily="34" charset="-127"/>
                   <a:ea typeface="배달의민족 한나체 Air OTF" panose="020B0600000101010101" pitchFamily="34" charset="-127"/>
                 </a:rPr>
@@ -9674,7 +9673,7 @@
           <p:spPr>
             <a:xfrm>
               <a:off x="639469" y="3069852"/>
-              <a:ext cx="5567268" cy="532453"/>
+              <a:ext cx="5567268" cy="498598"/>
             </a:xfrm>
             <a:prstGeom prst="rect">
               <a:avLst/>
@@ -9695,27 +9694,27 @@
                 <a:buChar char="•"/>
               </a:pPr>
               <a:r>
-                <a:rPr lang="ko-KR" altLang="en-US" sz="2600" spc="-150" dirty="0">
+                <a:rPr lang="ko-KR" altLang="en-US" sz="2400" spc="-150" dirty="0">
                   <a:latin typeface="배달의민족 한나체 Air OTF" panose="020B0600000101010101" pitchFamily="34" charset="-127"/>
                   <a:ea typeface="배달의민족 한나체 Air OTF" panose="020B0600000101010101" pitchFamily="34" charset="-127"/>
                 </a:rPr>
                 <a:t>훈련용 데이터</a:t>
               </a:r>
               <a:r>
-                <a:rPr lang="en-US" altLang="ko-KR" sz="2600" spc="-150" dirty="0">
+                <a:rPr lang="en-US" altLang="ko-KR" sz="2400" spc="-150" dirty="0">
                   <a:latin typeface="배달의민족 한나체 Air OTF" panose="020B0600000101010101" pitchFamily="34" charset="-127"/>
                   <a:ea typeface="배달의민족 한나체 Air OTF" panose="020B0600000101010101" pitchFamily="34" charset="-127"/>
                 </a:rPr>
                 <a:t>: 97,990</a:t>
               </a:r>
               <a:r>
-                <a:rPr lang="ko-KR" altLang="en-US" sz="2600" spc="-150" dirty="0">
+                <a:rPr lang="ko-KR" altLang="en-US" sz="2400" spc="-150" dirty="0">
                   <a:latin typeface="배달의민족 한나체 Air OTF" panose="020B0600000101010101" pitchFamily="34" charset="-127"/>
                   <a:ea typeface="배달의민족 한나체 Air OTF" panose="020B0600000101010101" pitchFamily="34" charset="-127"/>
                 </a:rPr>
                 <a:t>개</a:t>
               </a:r>
-              <a:endParaRPr lang="en-US" altLang="ko-KR" sz="2600" spc="-150" dirty="0">
+              <a:endParaRPr lang="en-US" altLang="ko-KR" sz="2400" spc="-150" dirty="0">
                 <a:latin typeface="배달의민족 한나체 Air OTF" panose="020B0600000101010101" pitchFamily="34" charset="-127"/>
                 <a:ea typeface="배달의민족 한나체 Air OTF" panose="020B0600000101010101" pitchFamily="34" charset="-127"/>
               </a:endParaRPr>
@@ -9737,7 +9736,7 @@
           <p:spPr>
             <a:xfrm>
               <a:off x="639469" y="3946864"/>
-              <a:ext cx="5567268" cy="532453"/>
+              <a:ext cx="5567268" cy="498598"/>
             </a:xfrm>
             <a:prstGeom prst="rect">
               <a:avLst/>
@@ -9758,27 +9757,27 @@
                 <a:buChar char="•"/>
               </a:pPr>
               <a:r>
-                <a:rPr lang="ko-KR" altLang="en-US" sz="2600" spc="-150" dirty="0">
+                <a:rPr lang="ko-KR" altLang="en-US" sz="2400" spc="-150" dirty="0">
                   <a:latin typeface="배달의민족 한나체 Air OTF" panose="020B0600000101010101" pitchFamily="34" charset="-127"/>
                   <a:ea typeface="배달의민족 한나체 Air OTF" panose="020B0600000101010101" pitchFamily="34" charset="-127"/>
                 </a:rPr>
                 <a:t>검증용 데이터</a:t>
               </a:r>
               <a:r>
-                <a:rPr lang="en-US" altLang="ko-KR" sz="2600" spc="-150" dirty="0">
+                <a:rPr lang="en-US" altLang="ko-KR" sz="2400" spc="-150" dirty="0">
                   <a:latin typeface="배달의민족 한나체 Air OTF" panose="020B0600000101010101" pitchFamily="34" charset="-127"/>
                   <a:ea typeface="배달의민족 한나체 Air OTF" panose="020B0600000101010101" pitchFamily="34" charset="-127"/>
                 </a:rPr>
                 <a:t>: 8,629</a:t>
               </a:r>
               <a:r>
-                <a:rPr lang="ko-KR" altLang="en-US" sz="2600" spc="-150" dirty="0">
+                <a:rPr lang="ko-KR" altLang="en-US" sz="2400" spc="-150" dirty="0">
                   <a:latin typeface="배달의민족 한나체 Air OTF" panose="020B0600000101010101" pitchFamily="34" charset="-127"/>
                   <a:ea typeface="배달의민족 한나체 Air OTF" panose="020B0600000101010101" pitchFamily="34" charset="-127"/>
                 </a:rPr>
                 <a:t>개</a:t>
               </a:r>
-              <a:endParaRPr lang="en-US" altLang="ko-KR" sz="2600" spc="-150" dirty="0">
+              <a:endParaRPr lang="en-US" altLang="ko-KR" sz="2400" spc="-150" dirty="0">
                 <a:latin typeface="배달의민족 한나체 Air OTF" panose="020B0600000101010101" pitchFamily="34" charset="-127"/>
                 <a:ea typeface="배달의민족 한나체 Air OTF" panose="020B0600000101010101" pitchFamily="34" charset="-127"/>
               </a:endParaRPr>
@@ -10269,7 +10268,7 @@
           <p:nvPr>
             <p:extLst>
               <p:ext uri="{D42A27DB-BD31-4B8C-83A1-F6EECF244321}">
-                <p14:modId xmlns:p14="http://schemas.microsoft.com/office/powerpoint/2010/main" val="260155094"/>
+                <p14:modId xmlns:p14="http://schemas.microsoft.com/office/powerpoint/2010/main" val="2374750124"/>
               </p:ext>
             </p:extLst>
           </p:nvPr>
@@ -10282,7 +10281,7 @@
           <a:graphicData uri="http://schemas.openxmlformats.org/drawingml/2006/table">
             <a:tbl>
               <a:tblPr firstRow="1" bandRow="1">
-                <a:tableStyleId>{00A15C55-8517-42AA-B614-E9B94910E393}</a:tableStyleId>
+                <a:tableStyleId>{F5AB1C69-6EDB-4FF4-983F-18BD219EF322}</a:tableStyleId>
               </a:tblPr>
               <a:tblGrid>
                 <a:gridCol w="2895762">
@@ -10308,10 +10307,7 @@
                     <a:p>
                       <a:pPr algn="ctr" latinLnBrk="1"/>
                       <a:r>
-                        <a:rPr lang="en-US" altLang="ko-KR" sz="2500" dirty="0">
-                          <a:latin typeface="맑은 고딕" panose="020B0503020000020004" pitchFamily="50" charset="-127"/>
-                          <a:ea typeface="맑은 고딕" panose="020B0503020000020004" pitchFamily="50" charset="-127"/>
-                        </a:rPr>
+                        <a:rPr lang="en-US" altLang="ko-KR" sz="2500" dirty="0"/>
                         <a:t>System</a:t>
                       </a:r>
                       <a:endParaRPr lang="ko-KR" altLang="en-US" sz="2500" dirty="0">
@@ -10329,10 +10325,7 @@
                     <a:p>
                       <a:pPr algn="ctr" latinLnBrk="1"/>
                       <a:r>
-                        <a:rPr lang="en-US" altLang="ko-KR" sz="2500" dirty="0">
-                          <a:latin typeface="맑은 고딕" panose="020B0503020000020004" pitchFamily="50" charset="-127"/>
-                          <a:ea typeface="맑은 고딕" panose="020B0503020000020004" pitchFamily="50" charset="-127"/>
-                        </a:rPr>
+                        <a:rPr lang="en-US" altLang="ko-KR" sz="2500" dirty="0"/>
                         <a:t>Specifications</a:t>
                       </a:r>
                       <a:endParaRPr lang="ko-KR" altLang="en-US" sz="2500" dirty="0">
@@ -10357,10 +10350,7 @@
                     <a:p>
                       <a:pPr algn="ctr" latinLnBrk="1"/>
                       <a:r>
-                        <a:rPr lang="en-US" altLang="ko-KR" sz="2200" dirty="0">
-                          <a:latin typeface="맑은 고딕" panose="020B0503020000020004" pitchFamily="50" charset="-127"/>
-                          <a:ea typeface="맑은 고딕" panose="020B0503020000020004" pitchFamily="50" charset="-127"/>
-                        </a:rPr>
+                        <a:rPr lang="en-US" altLang="ko-KR" sz="2200" dirty="0"/>
                         <a:t>OS</a:t>
                       </a:r>
                       <a:endParaRPr lang="ko-KR" altLang="en-US" sz="2200" dirty="0">
@@ -10378,11 +10368,8 @@
                     <a:p>
                       <a:pPr algn="ctr" latinLnBrk="1"/>
                       <a:r>
-                        <a:rPr lang="en-US" altLang="ko-KR" sz="2200" dirty="0">
-                          <a:latin typeface="맑은 고딕" panose="020B0503020000020004" pitchFamily="50" charset="-127"/>
-                          <a:ea typeface="맑은 고딕" panose="020B0503020000020004" pitchFamily="50" charset="-127"/>
-                        </a:rPr>
-                        <a:t>Ubuntu 20.04</a:t>
+                        <a:rPr lang="en-US" altLang="ko-KR" sz="2200" dirty="0"/>
+                        <a:t>Ubuntu 18.04 LTS</a:t>
                       </a:r>
                       <a:endParaRPr lang="ko-KR" altLang="en-US" sz="2200" dirty="0">
                         <a:latin typeface="맑은 고딕" panose="020B0503020000020004" pitchFamily="50" charset="-127"/>
@@ -10406,10 +10393,7 @@
                     <a:p>
                       <a:pPr algn="ctr" latinLnBrk="1"/>
                       <a:r>
-                        <a:rPr lang="en-US" altLang="ko-KR" sz="2200" dirty="0">
-                          <a:latin typeface="맑은 고딕" panose="020B0503020000020004" pitchFamily="50" charset="-127"/>
-                          <a:ea typeface="맑은 고딕" panose="020B0503020000020004" pitchFamily="50" charset="-127"/>
-                        </a:rPr>
+                        <a:rPr lang="en-US" altLang="ko-KR" sz="2200" dirty="0"/>
                         <a:t>CPU</a:t>
                       </a:r>
                       <a:endParaRPr lang="ko-KR" altLang="en-US" sz="2200" dirty="0">
@@ -10427,11 +10411,8 @@
                     <a:p>
                       <a:pPr algn="ctr" latinLnBrk="1"/>
                       <a:r>
-                        <a:rPr lang="en-US" altLang="ko-KR" sz="2200" dirty="0">
-                          <a:latin typeface="맑은 고딕" panose="020B0503020000020004" pitchFamily="50" charset="-127"/>
-                          <a:ea typeface="맑은 고딕" panose="020B0503020000020004" pitchFamily="50" charset="-127"/>
-                        </a:rPr>
-                        <a:t>AMD Ryzen 7 5800X</a:t>
+                        <a:rPr lang="en-US" altLang="ko-KR" sz="2200" dirty="0"/>
+                        <a:t>Intel i5-9600K</a:t>
                       </a:r>
                       <a:endParaRPr lang="ko-KR" altLang="en-US" sz="2200" dirty="0">
                         <a:latin typeface="맑은 고딕" panose="020B0503020000020004" pitchFamily="50" charset="-127"/>
@@ -10455,10 +10436,7 @@
                     <a:p>
                       <a:pPr algn="ctr" latinLnBrk="1"/>
                       <a:r>
-                        <a:rPr lang="en-US" altLang="ko-KR" sz="2200" dirty="0">
-                          <a:latin typeface="맑은 고딕" panose="020B0503020000020004" pitchFamily="50" charset="-127"/>
-                          <a:ea typeface="맑은 고딕" panose="020B0503020000020004" pitchFamily="50" charset="-127"/>
-                        </a:rPr>
+                        <a:rPr lang="en-US" altLang="ko-KR" sz="2200" dirty="0"/>
                         <a:t>GPU</a:t>
                       </a:r>
                       <a:endParaRPr lang="ko-KR" altLang="en-US" sz="2200" dirty="0">
@@ -10476,11 +10454,20 @@
                     <a:p>
                       <a:pPr algn="ctr" latinLnBrk="1"/>
                       <a:r>
-                        <a:rPr lang="en-US" altLang="ko-KR" sz="2200" dirty="0">
-                          <a:latin typeface="맑은 고딕" panose="020B0503020000020004" pitchFamily="50" charset="-127"/>
-                          <a:ea typeface="맑은 고딕" panose="020B0503020000020004" pitchFamily="50" charset="-127"/>
-                        </a:rPr>
-                        <a:t>NVIDIA A6000 48 GB</a:t>
+                        <a:rPr lang="en-US" altLang="ko-KR" sz="2200" dirty="0"/>
+                        <a:t>NVIDIA </a:t>
+                      </a:r>
+                      <a:r>
+                        <a:rPr lang="en-US" altLang="ko-KR" sz="2200" dirty="0" err="1"/>
+                        <a:t>geforce</a:t>
+                      </a:r>
+                      <a:r>
+                        <a:rPr lang="en-US" altLang="ko-KR" sz="2200" dirty="0"/>
+                        <a:t> GTX 1070 </a:t>
+                      </a:r>
+                      <a:r>
+                        <a:rPr lang="en-US" altLang="ko-KR" sz="2200" dirty="0" err="1"/>
+                        <a:t>ti</a:t>
                       </a:r>
                       <a:endParaRPr lang="ko-KR" altLang="en-US" sz="2200" dirty="0">
                         <a:latin typeface="맑은 고딕" panose="020B0503020000020004" pitchFamily="50" charset="-127"/>
@@ -10504,10 +10491,7 @@
                     <a:p>
                       <a:pPr algn="ctr" latinLnBrk="1"/>
                       <a:r>
-                        <a:rPr lang="en-US" altLang="ko-KR" sz="2200" dirty="0">
-                          <a:latin typeface="맑은 고딕" panose="020B0503020000020004" pitchFamily="50" charset="-127"/>
-                          <a:ea typeface="맑은 고딕" panose="020B0503020000020004" pitchFamily="50" charset="-127"/>
-                        </a:rPr>
+                        <a:rPr lang="en-US" altLang="ko-KR" sz="2200" dirty="0"/>
                         <a:t>RAM</a:t>
                       </a:r>
                       <a:endParaRPr lang="ko-KR" altLang="en-US" sz="2200" dirty="0">
@@ -10525,11 +10509,8 @@
                     <a:p>
                       <a:pPr algn="ctr" latinLnBrk="1"/>
                       <a:r>
-                        <a:rPr lang="en-US" altLang="ko-KR" sz="2200" dirty="0">
-                          <a:latin typeface="맑은 고딕" panose="020B0503020000020004" pitchFamily="50" charset="-127"/>
-                          <a:ea typeface="맑은 고딕" panose="020B0503020000020004" pitchFamily="50" charset="-127"/>
-                        </a:rPr>
-                        <a:t>32 GB</a:t>
+                        <a:rPr lang="en-US" altLang="ko-KR" sz="2200" dirty="0"/>
+                        <a:t>16 GB</a:t>
                       </a:r>
                       <a:endParaRPr lang="ko-KR" altLang="en-US" sz="2200" dirty="0">
                         <a:latin typeface="맑은 고딕" panose="020B0503020000020004" pitchFamily="50" charset="-127"/>
@@ -10553,10 +10534,7 @@
                     <a:p>
                       <a:pPr algn="ctr" latinLnBrk="1"/>
                       <a:r>
-                        <a:rPr lang="en-US" altLang="ko-KR" sz="2200" dirty="0">
-                          <a:latin typeface="맑은 고딕" panose="020B0503020000020004" pitchFamily="50" charset="-127"/>
-                          <a:ea typeface="맑은 고딕" panose="020B0503020000020004" pitchFamily="50" charset="-127"/>
-                        </a:rPr>
+                        <a:rPr lang="en-US" altLang="ko-KR" sz="2200" dirty="0"/>
                         <a:t>CUDA</a:t>
                       </a:r>
                       <a:endParaRPr lang="ko-KR" altLang="en-US" sz="2200" dirty="0">
@@ -10574,11 +10552,8 @@
                     <a:p>
                       <a:pPr algn="ctr" latinLnBrk="1"/>
                       <a:r>
-                        <a:rPr lang="en-US" altLang="ko-KR" sz="2200" dirty="0">
-                          <a:latin typeface="맑은 고딕" panose="020B0503020000020004" pitchFamily="50" charset="-127"/>
-                          <a:ea typeface="맑은 고딕" panose="020B0503020000020004" pitchFamily="50" charset="-127"/>
-                        </a:rPr>
-                        <a:t>11.4</a:t>
+                        <a:rPr lang="en-US" altLang="ko-KR" sz="2200" dirty="0"/>
+                        <a:t>11.2</a:t>
                       </a:r>
                       <a:endParaRPr lang="ko-KR" altLang="en-US" sz="2200" dirty="0">
                         <a:latin typeface="맑은 고딕" panose="020B0503020000020004" pitchFamily="50" charset="-127"/>
@@ -10602,10 +10577,7 @@
                     <a:p>
                       <a:pPr algn="ctr" latinLnBrk="1"/>
                       <a:r>
-                        <a:rPr lang="en-US" altLang="ko-KR" sz="2200" dirty="0" err="1">
-                          <a:latin typeface="맑은 고딕" panose="020B0503020000020004" pitchFamily="50" charset="-127"/>
-                          <a:ea typeface="맑은 고딕" panose="020B0503020000020004" pitchFamily="50" charset="-127"/>
-                        </a:rPr>
+                        <a:rPr lang="en-US" altLang="ko-KR" sz="2200" dirty="0" err="1"/>
                         <a:t>cuDNN</a:t>
                       </a:r>
                       <a:endParaRPr lang="ko-KR" altLang="en-US" sz="2200" dirty="0">
@@ -10627,10 +10599,8 @@
                           <a:solidFill>
                             <a:schemeClr val="tx1"/>
                           </a:solidFill>
-                          <a:latin typeface="맑은 고딕" panose="020B0503020000020004" pitchFamily="50" charset="-127"/>
-                          <a:ea typeface="맑은 고딕" panose="020B0503020000020004" pitchFamily="50" charset="-127"/>
                         </a:rPr>
-                        <a:t>8.2</a:t>
+                        <a:t>8.1</a:t>
                       </a:r>
                       <a:endParaRPr lang="ko-KR" altLang="en-US" sz="2200" dirty="0">
                         <a:solidFill>
@@ -11110,65 +11080,51 @@
           <p:nvPr>
             <p:extLst>
               <p:ext uri="{D42A27DB-BD31-4B8C-83A1-F6EECF244321}">
-                <p14:modId xmlns:p14="http://schemas.microsoft.com/office/powerpoint/2010/main" val="1803505111"/>
+                <p14:modId xmlns:p14="http://schemas.microsoft.com/office/powerpoint/2010/main" val="323106443"/>
               </p:ext>
             </p:extLst>
           </p:nvPr>
         </p:nvGraphicFramePr>
         <p:xfrm>
-          <a:off x="1104560" y="1695967"/>
-          <a:ext cx="10025895" cy="4044918"/>
+          <a:off x="881322" y="2833064"/>
+          <a:ext cx="5136584" cy="3030481"/>
         </p:xfrm>
         <a:graphic>
           <a:graphicData uri="http://schemas.openxmlformats.org/drawingml/2006/table">
             <a:tbl>
               <a:tblPr firstRow="1" bandRow="1">
-                <a:tableStyleId>{5C22544A-7EE6-4342-B048-85BDC9FD1C3A}</a:tableStyleId>
+                <a:tableStyleId>{69012ECD-51FC-41F1-AA8D-1B2483CD663E}</a:tableStyleId>
               </a:tblPr>
               <a:tblGrid>
-                <a:gridCol w="692403">
+                <a:gridCol w="585528">
                   <a:extLst>
                     <a:ext uri="{9D8B030D-6E8A-4147-A177-3AD203B41FA5}">
                       <a16:colId xmlns:a16="http://schemas.microsoft.com/office/drawing/2014/main" val="20000"/>
                     </a:ext>
                   </a:extLst>
                 </a:gridCol>
-                <a:gridCol w="1166148">
+                <a:gridCol w="1137764">
                   <a:extLst>
                     <a:ext uri="{9D8B030D-6E8A-4147-A177-3AD203B41FA5}">
                       <a16:colId xmlns:a16="http://schemas.microsoft.com/office/drawing/2014/main" val="20001"/>
                     </a:ext>
                   </a:extLst>
                 </a:gridCol>
-                <a:gridCol w="1280851">
-                  <a:extLst>
-                    <a:ext uri="{9D8B030D-6E8A-4147-A177-3AD203B41FA5}">
-                      <a16:colId xmlns:a16="http://schemas.microsoft.com/office/drawing/2014/main" val="20002"/>
-                    </a:ext>
-                  </a:extLst>
-                </a:gridCol>
-                <a:gridCol w="1701428">
-                  <a:extLst>
-                    <a:ext uri="{9D8B030D-6E8A-4147-A177-3AD203B41FA5}">
-                      <a16:colId xmlns:a16="http://schemas.microsoft.com/office/drawing/2014/main" val="20003"/>
-                    </a:ext>
-                  </a:extLst>
-                </a:gridCol>
-                <a:gridCol w="1835248">
+                <a:gridCol w="1137764">
                   <a:extLst>
                     <a:ext uri="{9D8B030D-6E8A-4147-A177-3AD203B41FA5}">
                       <a16:colId xmlns:a16="http://schemas.microsoft.com/office/drawing/2014/main" val="20004"/>
                     </a:ext>
                   </a:extLst>
                 </a:gridCol>
-                <a:gridCol w="1917546">
+                <a:gridCol w="1137764">
                   <a:extLst>
                     <a:ext uri="{9D8B030D-6E8A-4147-A177-3AD203B41FA5}">
                       <a16:colId xmlns:a16="http://schemas.microsoft.com/office/drawing/2014/main" val="20005"/>
                     </a:ext>
                   </a:extLst>
                 </a:gridCol>
-                <a:gridCol w="1432271">
+                <a:gridCol w="1137764">
                   <a:extLst>
                     <a:ext uri="{9D8B030D-6E8A-4147-A177-3AD203B41FA5}">
                       <a16:colId xmlns:a16="http://schemas.microsoft.com/office/drawing/2014/main" val="20006"/>
@@ -11176,7 +11132,7 @@
                   </a:extLst>
                 </a:gridCol>
               </a:tblGrid>
-              <a:tr h="1001604">
+              <a:tr h="750409">
                 <a:tc>
                   <a:txBody>
                     <a:bodyPr/>
@@ -11185,7 +11141,7 @@
                       <a:pPr algn="ctr" latinLnBrk="1">
                         <a:defRPr/>
                       </a:pPr>
-                      <a:endParaRPr lang="ko-KR" altLang="en-US" sz="2100" dirty="0">
+                      <a:endParaRPr lang="ko-KR" altLang="en-US" sz="1800" dirty="0">
                         <a:latin typeface="맑은 고딕"/>
                         <a:ea typeface="맑은 고딕"/>
                       </a:endParaRPr>
@@ -11202,13 +11158,10 @@
                         <a:defRPr/>
                       </a:pPr>
                       <a:r>
-                        <a:rPr lang="en-US" altLang="ko-KR" sz="2100">
-                          <a:latin typeface="맑은 고딕"/>
-                          <a:ea typeface="맑은 고딕"/>
-                        </a:rPr>
+                        <a:rPr lang="en-US" altLang="ko-KR" sz="1800" dirty="0"/>
                         <a:t>Epoch</a:t>
                       </a:r>
-                      <a:endParaRPr lang="ko-KR" altLang="en-US" sz="2100">
+                      <a:endParaRPr lang="ko-KR" altLang="en-US" sz="1800" dirty="0">
                         <a:latin typeface="맑은 고딕"/>
                         <a:ea typeface="맑은 고딕"/>
                       </a:endParaRPr>
@@ -11225,13 +11178,20 @@
                         <a:defRPr/>
                       </a:pPr>
                       <a:r>
-                        <a:rPr lang="en-US" altLang="ko-KR" sz="2100">
-                          <a:latin typeface="맑은 고딕"/>
-                          <a:ea typeface="맑은 고딕"/>
-                        </a:rPr>
-                        <a:t>LR</a:t>
+                        <a:rPr lang="ko-KR" altLang="en-US" sz="1800" dirty="0"/>
+                        <a:t>학습</a:t>
                       </a:r>
-                      <a:endParaRPr lang="ko-KR" altLang="en-US" sz="2100">
+                      <a:endParaRPr lang="en-US" altLang="ko-KR" sz="1800" dirty="0"/>
+                    </a:p>
+                    <a:p>
+                      <a:pPr algn="ctr" latinLnBrk="1">
+                        <a:defRPr/>
+                      </a:pPr>
+                      <a:r>
+                        <a:rPr lang="ko-KR" altLang="en-US" sz="1800" dirty="0"/>
+                        <a:t>정확도</a:t>
+                      </a:r>
+                      <a:endParaRPr lang="ko-KR" altLang="en-US" sz="1800" dirty="0">
                         <a:latin typeface="맑은 고딕"/>
                         <a:ea typeface="맑은 고딕"/>
                       </a:endParaRPr>
@@ -11248,13 +11208,20 @@
                         <a:defRPr/>
                       </a:pPr>
                       <a:r>
-                        <a:rPr lang="en-US" altLang="ko-KR" sz="2100">
-                          <a:latin typeface="맑은 고딕"/>
-                          <a:ea typeface="맑은 고딕"/>
-                        </a:rPr>
-                        <a:t>Batchsize</a:t>
+                        <a:rPr lang="ko-KR" altLang="en-US" sz="1800" dirty="0"/>
+                        <a:t>시험</a:t>
                       </a:r>
-                      <a:endParaRPr lang="ko-KR" altLang="en-US" sz="2100">
+                      <a:endParaRPr lang="en-US" altLang="ko-KR" sz="1800" dirty="0"/>
+                    </a:p>
+                    <a:p>
+                      <a:pPr algn="ctr" latinLnBrk="1">
+                        <a:defRPr/>
+                      </a:pPr>
+                      <a:r>
+                        <a:rPr lang="ko-KR" altLang="en-US" sz="1800" dirty="0"/>
+                        <a:t>정확도</a:t>
+                      </a:r>
+                      <a:endParaRPr lang="ko-KR" altLang="en-US" sz="1800" dirty="0">
                         <a:latin typeface="맑은 고딕"/>
                         <a:ea typeface="맑은 고딕"/>
                       </a:endParaRPr>
@@ -11271,15 +11238,49 @@
                         <a:defRPr/>
                       </a:pPr>
                       <a:r>
-                        <a:rPr lang="ko-KR" altLang="en-US" sz="2100">
-                          <a:latin typeface="맑은 고딕"/>
-                          <a:ea typeface="맑은 고딕"/>
-                        </a:rPr>
-                        <a:t>학습 정확도</a:t>
+                        <a:rPr lang="ko-KR" altLang="en-US" sz="1800" dirty="0"/>
+                        <a:t>소요시간</a:t>
                       </a:r>
+                      <a:endParaRPr lang="ko-KR" altLang="en-US" sz="1800" dirty="0">
+                        <a:latin typeface="맑은 고딕"/>
+                        <a:ea typeface="맑은 고딕"/>
+                      </a:endParaRPr>
                     </a:p>
                   </a:txBody>
                   <a:tcPr anchor="ctr"/>
+                </a:tc>
+                <a:extLst>
+                  <a:ext uri="{0D108BD9-81ED-4DB2-BD59-A6C34878D82A}">
+                    <a16:rowId xmlns:a16="http://schemas.microsoft.com/office/drawing/2014/main" val="10000"/>
+                  </a:ext>
+                </a:extLst>
+              </a:tr>
+              <a:tr h="760024">
+                <a:tc>
+                  <a:txBody>
+                    <a:bodyPr/>
+                    <a:lstStyle/>
+                    <a:p>
+                      <a:pPr algn="ctr" latinLnBrk="1">
+                        <a:defRPr/>
+                      </a:pPr>
+                      <a:r>
+                        <a:rPr lang="en-US" altLang="ko-KR" sz="1800" dirty="0"/>
+                        <a:t>1</a:t>
+                      </a:r>
+                      <a:endParaRPr lang="ko-KR" altLang="en-US" sz="1800" dirty="0">
+                        <a:latin typeface="맑은 고딕"/>
+                        <a:ea typeface="맑은 고딕"/>
+                      </a:endParaRPr>
+                    </a:p>
+                  </a:txBody>
+                  <a:tcPr anchor="ctr">
+                    <a:lnL w="6350" cap="flat" cmpd="sng" algn="ctr">
+                      <a:noFill/>
+                      <a:prstDash val="solid"/>
+                      <a:miter/>
+                    </a:lnL>
+                  </a:tcPr>
                 </a:tc>
                 <a:tc>
                   <a:txBody>
@@ -11290,58 +11291,10 @@
                         <a:defRPr/>
                       </a:pPr>
                       <a:r>
-                        <a:rPr lang="ko-KR" altLang="en-US" sz="2100">
-                          <a:latin typeface="맑은 고딕"/>
-                          <a:ea typeface="맑은 고딕"/>
-                        </a:rPr>
-                        <a:t>시험 정확도</a:t>
+                        <a:rPr lang="en-US" altLang="ko-KR" sz="1800" dirty="0"/>
+                        <a:t>50</a:t>
                       </a:r>
-                    </a:p>
-                  </a:txBody>
-                  <a:tcPr anchor="ctr"/>
-                </a:tc>
-                <a:tc>
-                  <a:txBody>
-                    <a:bodyPr/>
-                    <a:lstStyle/>
-                    <a:p>
-                      <a:pPr algn="ctr" latinLnBrk="1">
-                        <a:defRPr/>
-                      </a:pPr>
-                      <a:r>
-                        <a:rPr lang="ko-KR" altLang="en-US" sz="2100">
-                          <a:latin typeface="맑은 고딕"/>
-                          <a:ea typeface="맑은 고딕"/>
-                        </a:rPr>
-                        <a:t>소요시간</a:t>
-                      </a:r>
-                    </a:p>
-                  </a:txBody>
-                  <a:tcPr anchor="ctr"/>
-                </a:tc>
-                <a:extLst>
-                  <a:ext uri="{0D108BD9-81ED-4DB2-BD59-A6C34878D82A}">
-                    <a16:rowId xmlns:a16="http://schemas.microsoft.com/office/drawing/2014/main" val="10000"/>
-                  </a:ext>
-                </a:extLst>
-              </a:tr>
-              <a:tr h="1014438">
-                <a:tc>
-                  <a:txBody>
-                    <a:bodyPr/>
-                    <a:lstStyle/>
-                    <a:p>
-                      <a:pPr algn="ctr" latinLnBrk="1">
-                        <a:defRPr/>
-                      </a:pPr>
-                      <a:r>
-                        <a:rPr lang="en-US" altLang="ko-KR" sz="2100">
-                          <a:latin typeface="맑은 고딕"/>
-                          <a:ea typeface="맑은 고딕"/>
-                        </a:rPr>
-                        <a:t>1</a:t>
-                      </a:r>
-                      <a:endParaRPr lang="ko-KR" altLang="en-US" sz="2100">
+                      <a:endParaRPr lang="ko-KR" altLang="en-US" sz="1800" dirty="0">
                         <a:latin typeface="맑은 고딕"/>
                         <a:ea typeface="맑은 고딕"/>
                       </a:endParaRPr>
@@ -11358,13 +11311,10 @@
                         <a:defRPr/>
                       </a:pPr>
                       <a:r>
-                        <a:rPr lang="en-US" altLang="ko-KR" sz="2100">
-                          <a:latin typeface="맑은 고딕"/>
-                          <a:ea typeface="맑은 고딕"/>
-                        </a:rPr>
-                        <a:t>50</a:t>
+                        <a:rPr lang="en-US" altLang="ko-KR" sz="1800" dirty="0"/>
+                        <a:t>0.8725</a:t>
                       </a:r>
-                      <a:endParaRPr lang="ko-KR" altLang="en-US" sz="2100">
+                      <a:endParaRPr lang="en-US" altLang="ko-KR" sz="1800" dirty="0">
                         <a:latin typeface="맑은 고딕"/>
                         <a:ea typeface="맑은 고딕"/>
                       </a:endParaRPr>
@@ -11381,13 +11331,10 @@
                         <a:defRPr/>
                       </a:pPr>
                       <a:r>
-                        <a:rPr lang="en-US" altLang="ko-KR" sz="2100">
-                          <a:latin typeface="맑은 고딕"/>
-                          <a:ea typeface="맑은 고딕"/>
-                        </a:rPr>
-                        <a:t>0.0001</a:t>
+                        <a:rPr lang="en-US" altLang="ko-KR" sz="1800" dirty="0"/>
+                        <a:t>0.7966</a:t>
                       </a:r>
-                      <a:endParaRPr lang="ko-KR" altLang="en-US" sz="2100">
+                      <a:endParaRPr lang="en-US" altLang="ko-KR" sz="1800" dirty="0">
                         <a:latin typeface="맑은 고딕"/>
                         <a:ea typeface="맑은 고딕"/>
                       </a:endParaRPr>
@@ -11404,13 +11351,69 @@
                         <a:defRPr/>
                       </a:pPr>
                       <a:r>
-                        <a:rPr lang="en-US" altLang="ko-KR" sz="2100">
-                          <a:latin typeface="맑은 고딕"/>
-                          <a:ea typeface="맑은 고딕"/>
-                        </a:rPr>
-                        <a:t>100</a:t>
+                        <a:rPr lang="en-US" altLang="ko-KR" sz="1800" dirty="0"/>
+                        <a:t>11h</a:t>
                       </a:r>
-                      <a:endParaRPr lang="ko-KR" altLang="en-US" sz="2100">
+                      <a:endParaRPr lang="en-US" altLang="ko-KR" sz="1800" dirty="0">
+                        <a:latin typeface="맑은 고딕"/>
+                        <a:ea typeface="맑은 고딕"/>
+                      </a:endParaRPr>
+                    </a:p>
+                  </a:txBody>
+                  <a:tcPr anchor="ctr">
+                    <a:lnR w="6350" cap="flat" cmpd="sng" algn="ctr">
+                      <a:noFill/>
+                      <a:prstDash val="solid"/>
+                      <a:miter/>
+                    </a:lnR>
+                  </a:tcPr>
+                </a:tc>
+                <a:extLst>
+                  <a:ext uri="{0D108BD9-81ED-4DB2-BD59-A6C34878D82A}">
+                    <a16:rowId xmlns:a16="http://schemas.microsoft.com/office/drawing/2014/main" val="10001"/>
+                  </a:ext>
+                </a:extLst>
+              </a:tr>
+              <a:tr h="760024">
+                <a:tc>
+                  <a:txBody>
+                    <a:bodyPr/>
+                    <a:lstStyle/>
+                    <a:p>
+                      <a:pPr algn="ctr" latinLnBrk="1">
+                        <a:defRPr/>
+                      </a:pPr>
+                      <a:r>
+                        <a:rPr lang="en-US" altLang="ko-KR" sz="1800"/>
+                        <a:t>2</a:t>
+                      </a:r>
+                      <a:endParaRPr lang="ko-KR" altLang="en-US" sz="1800">
+                        <a:latin typeface="맑은 고딕"/>
+                        <a:ea typeface="맑은 고딕"/>
+                      </a:endParaRPr>
+                    </a:p>
+                  </a:txBody>
+                  <a:tcPr anchor="ctr">
+                    <a:lnL w="6350" cap="flat" cmpd="sng" algn="ctr">
+                      <a:noFill/>
+                      <a:prstDash val="solid"/>
+                      <a:miter/>
+                    </a:lnL>
+                  </a:tcPr>
+                </a:tc>
+                <a:tc>
+                  <a:txBody>
+                    <a:bodyPr/>
+                    <a:lstStyle/>
+                    <a:p>
+                      <a:pPr algn="ctr" latinLnBrk="1">
+                        <a:defRPr/>
+                      </a:pPr>
+                      <a:r>
+                        <a:rPr lang="en-US" altLang="ko-KR" sz="1800" dirty="0"/>
+                        <a:t>80</a:t>
+                      </a:r>
+                      <a:endParaRPr lang="ko-KR" altLang="en-US" sz="1800" dirty="0">
                         <a:latin typeface="맑은 고딕"/>
                         <a:ea typeface="맑은 고딕"/>
                       </a:endParaRPr>
@@ -11427,77 +11430,10 @@
                         <a:defRPr/>
                       </a:pPr>
                       <a:r>
-                        <a:rPr lang="en-US" altLang="ko-KR" sz="2100">
-                          <a:latin typeface="맑은 고딕"/>
-                          <a:ea typeface="맑은 고딕"/>
-                        </a:rPr>
-                        <a:t>0.8892</a:t>
+                        <a:rPr lang="en-US" altLang="ko-KR" sz="1800" dirty="0"/>
+                        <a:t>0.9214</a:t>
                       </a:r>
-                    </a:p>
-                  </a:txBody>
-                  <a:tcPr anchor="ctr"/>
-                </a:tc>
-                <a:tc>
-                  <a:txBody>
-                    <a:bodyPr/>
-                    <a:lstStyle/>
-                    <a:p>
-                      <a:pPr algn="ctr" latinLnBrk="1">
-                        <a:defRPr/>
-                      </a:pPr>
-                      <a:r>
-                        <a:rPr lang="en-US" altLang="ko-KR" sz="2100">
-                          <a:latin typeface="맑은 고딕"/>
-                          <a:ea typeface="맑은 고딕"/>
-                        </a:rPr>
-                        <a:t>0.8013</a:t>
-                      </a:r>
-                    </a:p>
-                  </a:txBody>
-                  <a:tcPr anchor="ctr"/>
-                </a:tc>
-                <a:tc>
-                  <a:txBody>
-                    <a:bodyPr/>
-                    <a:lstStyle/>
-                    <a:p>
-                      <a:pPr algn="ctr" latinLnBrk="1">
-                        <a:defRPr/>
-                      </a:pPr>
-                      <a:r>
-                        <a:rPr lang="en-US" altLang="ko-KR" sz="2100">
-                          <a:latin typeface="맑은 고딕"/>
-                          <a:ea typeface="맑은 고딕"/>
-                        </a:rPr>
-                        <a:t>11h</a:t>
-                      </a:r>
-                    </a:p>
-                  </a:txBody>
-                  <a:tcPr anchor="ctr"/>
-                </a:tc>
-                <a:extLst>
-                  <a:ext uri="{0D108BD9-81ED-4DB2-BD59-A6C34878D82A}">
-                    <a16:rowId xmlns:a16="http://schemas.microsoft.com/office/drawing/2014/main" val="10001"/>
-                  </a:ext>
-                </a:extLst>
-              </a:tr>
-              <a:tr h="1014438">
-                <a:tc>
-                  <a:txBody>
-                    <a:bodyPr/>
-                    <a:lstStyle/>
-                    <a:p>
-                      <a:pPr algn="ctr" latinLnBrk="1">
-                        <a:defRPr/>
-                      </a:pPr>
-                      <a:r>
-                        <a:rPr lang="en-US" altLang="ko-KR" sz="2100">
-                          <a:latin typeface="맑은 고딕"/>
-                          <a:ea typeface="맑은 고딕"/>
-                        </a:rPr>
-                        <a:t>2</a:t>
-                      </a:r>
-                      <a:endParaRPr lang="ko-KR" altLang="en-US" sz="2100">
+                      <a:endParaRPr lang="en-US" altLang="ko-KR" sz="1800" dirty="0">
                         <a:latin typeface="맑은 고딕"/>
                         <a:ea typeface="맑은 고딕"/>
                       </a:endParaRPr>
@@ -11514,13 +11450,10 @@
                         <a:defRPr/>
                       </a:pPr>
                       <a:r>
-                        <a:rPr lang="en-US" altLang="ko-KR" sz="2100">
-                          <a:latin typeface="맑은 고딕"/>
-                          <a:ea typeface="맑은 고딕"/>
-                        </a:rPr>
-                        <a:t>80</a:t>
+                        <a:rPr lang="en-US" altLang="ko-KR" sz="1800" dirty="0"/>
+                        <a:t>0.8523</a:t>
                       </a:r>
-                      <a:endParaRPr lang="ko-KR" altLang="en-US" sz="2100">
+                      <a:endParaRPr lang="en-US" altLang="ko-KR" sz="1800" dirty="0">
                         <a:latin typeface="맑은 고딕"/>
                         <a:ea typeface="맑은 고딕"/>
                       </a:endParaRPr>
@@ -11537,13 +11470,69 @@
                         <a:defRPr/>
                       </a:pPr>
                       <a:r>
-                        <a:rPr lang="en-US" altLang="ko-KR" sz="2100" dirty="0">
-                          <a:latin typeface="맑은 고딕"/>
-                          <a:ea typeface="맑은 고딕"/>
-                        </a:rPr>
-                        <a:t>0.0001</a:t>
+                        <a:rPr lang="en-US" altLang="ko-KR" sz="1800" dirty="0"/>
+                        <a:t>17h</a:t>
                       </a:r>
-                      <a:endParaRPr lang="ko-KR" altLang="en-US" sz="2100" dirty="0">
+                      <a:endParaRPr lang="en-US" altLang="ko-KR" sz="1800" dirty="0">
+                        <a:latin typeface="맑은 고딕"/>
+                        <a:ea typeface="맑은 고딕"/>
+                      </a:endParaRPr>
+                    </a:p>
+                  </a:txBody>
+                  <a:tcPr anchor="ctr">
+                    <a:lnR w="6350" cap="flat" cmpd="sng" algn="ctr">
+                      <a:noFill/>
+                      <a:prstDash val="solid"/>
+                      <a:miter/>
+                    </a:lnR>
+                  </a:tcPr>
+                </a:tc>
+                <a:extLst>
+                  <a:ext uri="{0D108BD9-81ED-4DB2-BD59-A6C34878D82A}">
+                    <a16:rowId xmlns:a16="http://schemas.microsoft.com/office/drawing/2014/main" val="10002"/>
+                  </a:ext>
+                </a:extLst>
+              </a:tr>
+              <a:tr h="760024">
+                <a:tc>
+                  <a:txBody>
+                    <a:bodyPr/>
+                    <a:lstStyle/>
+                    <a:p>
+                      <a:pPr algn="ctr" latinLnBrk="1">
+                        <a:defRPr/>
+                      </a:pPr>
+                      <a:r>
+                        <a:rPr lang="en-US" altLang="ko-KR" sz="1800"/>
+                        <a:t>3</a:t>
+                      </a:r>
+                      <a:endParaRPr lang="ko-KR" altLang="en-US" sz="1800">
+                        <a:latin typeface="맑은 고딕"/>
+                        <a:ea typeface="맑은 고딕"/>
+                      </a:endParaRPr>
+                    </a:p>
+                  </a:txBody>
+                  <a:tcPr anchor="ctr">
+                    <a:lnL w="6350" cap="flat" cmpd="sng" algn="ctr">
+                      <a:noFill/>
+                      <a:prstDash val="solid"/>
+                      <a:miter/>
+                    </a:lnL>
+                  </a:tcPr>
+                </a:tc>
+                <a:tc>
+                  <a:txBody>
+                    <a:bodyPr/>
+                    <a:lstStyle/>
+                    <a:p>
+                      <a:pPr algn="ctr" latinLnBrk="1">
+                        <a:defRPr/>
+                      </a:pPr>
+                      <a:r>
+                        <a:rPr lang="en-US" altLang="ko-KR" sz="1800"/>
+                        <a:t>100</a:t>
+                      </a:r>
+                      <a:endParaRPr lang="ko-KR" altLang="en-US" sz="1800">
                         <a:latin typeface="맑은 고딕"/>
                         <a:ea typeface="맑은 고딕"/>
                       </a:endParaRPr>
@@ -11560,13 +11549,10 @@
                         <a:defRPr/>
                       </a:pPr>
                       <a:r>
-                        <a:rPr lang="en-US" altLang="ko-KR" sz="2100" dirty="0">
-                          <a:latin typeface="맑은 고딕"/>
-                          <a:ea typeface="맑은 고딕"/>
-                        </a:rPr>
-                        <a:t>100</a:t>
+                        <a:rPr lang="en-US" altLang="ko-KR" sz="1800" dirty="0"/>
+                        <a:t>0.9187</a:t>
                       </a:r>
-                      <a:endParaRPr lang="ko-KR" altLang="en-US" sz="2100" dirty="0">
+                      <a:endParaRPr lang="en-US" altLang="ko-KR" sz="1800" dirty="0">
                         <a:latin typeface="맑은 고딕"/>
                         <a:ea typeface="맑은 고딕"/>
                       </a:endParaRPr>
@@ -11583,77 +11569,10 @@
                         <a:defRPr/>
                       </a:pPr>
                       <a:r>
-                        <a:rPr lang="en-US" altLang="ko-KR" sz="2100">
-                          <a:latin typeface="맑은 고딕"/>
-                          <a:ea typeface="맑은 고딕"/>
-                        </a:rPr>
-                        <a:t>0.9311</a:t>
+                        <a:rPr lang="en-US" altLang="ko-KR" sz="1800" dirty="0"/>
+                        <a:t>0.8490</a:t>
                       </a:r>
-                    </a:p>
-                  </a:txBody>
-                  <a:tcPr anchor="ctr"/>
-                </a:tc>
-                <a:tc>
-                  <a:txBody>
-                    <a:bodyPr/>
-                    <a:lstStyle/>
-                    <a:p>
-                      <a:pPr algn="ctr" latinLnBrk="1">
-                        <a:defRPr/>
-                      </a:pPr>
-                      <a:r>
-                        <a:rPr lang="en-US" altLang="ko-KR" sz="2100">
-                          <a:latin typeface="맑은 고딕"/>
-                          <a:ea typeface="맑은 고딕"/>
-                        </a:rPr>
-                        <a:t>0.8578</a:t>
-                      </a:r>
-                    </a:p>
-                  </a:txBody>
-                  <a:tcPr anchor="ctr"/>
-                </a:tc>
-                <a:tc>
-                  <a:txBody>
-                    <a:bodyPr/>
-                    <a:lstStyle/>
-                    <a:p>
-                      <a:pPr algn="ctr" latinLnBrk="1">
-                        <a:defRPr/>
-                      </a:pPr>
-                      <a:r>
-                        <a:rPr lang="en-US" altLang="ko-KR" sz="2100">
-                          <a:latin typeface="맑은 고딕"/>
-                          <a:ea typeface="맑은 고딕"/>
-                        </a:rPr>
-                        <a:t>17h</a:t>
-                      </a:r>
-                    </a:p>
-                  </a:txBody>
-                  <a:tcPr anchor="ctr"/>
-                </a:tc>
-                <a:extLst>
-                  <a:ext uri="{0D108BD9-81ED-4DB2-BD59-A6C34878D82A}">
-                    <a16:rowId xmlns:a16="http://schemas.microsoft.com/office/drawing/2014/main" val="10002"/>
-                  </a:ext>
-                </a:extLst>
-              </a:tr>
-              <a:tr h="1014438">
-                <a:tc>
-                  <a:txBody>
-                    <a:bodyPr/>
-                    <a:lstStyle/>
-                    <a:p>
-                      <a:pPr algn="ctr" latinLnBrk="1">
-                        <a:defRPr/>
-                      </a:pPr>
-                      <a:r>
-                        <a:rPr lang="en-US" altLang="ko-KR" sz="2100">
-                          <a:latin typeface="맑은 고딕"/>
-                          <a:ea typeface="맑은 고딕"/>
-                        </a:rPr>
-                        <a:t>3</a:t>
-                      </a:r>
-                      <a:endParaRPr lang="ko-KR" altLang="en-US" sz="2100">
+                      <a:endParaRPr lang="en-US" altLang="ko-KR" sz="1800" dirty="0">
                         <a:latin typeface="맑은 고딕"/>
                         <a:ea typeface="맑은 고딕"/>
                       </a:endParaRPr>
@@ -11670,122 +11589,22 @@
                         <a:defRPr/>
                       </a:pPr>
                       <a:r>
-                        <a:rPr lang="en-US" altLang="ko-KR" sz="2100">
-                          <a:latin typeface="맑은 고딕"/>
-                          <a:ea typeface="맑은 고딕"/>
-                        </a:rPr>
-                        <a:t>100</a:t>
+                        <a:rPr lang="en-US" altLang="ko-KR" sz="1800" dirty="0"/>
+                        <a:t>24h</a:t>
                       </a:r>
-                      <a:endParaRPr lang="ko-KR" altLang="en-US" sz="2100">
+                      <a:endParaRPr lang="en-US" altLang="ko-KR" sz="1800" dirty="0">
                         <a:latin typeface="맑은 고딕"/>
                         <a:ea typeface="맑은 고딕"/>
                       </a:endParaRPr>
                     </a:p>
                   </a:txBody>
-                  <a:tcPr anchor="ctr"/>
-                </a:tc>
-                <a:tc>
-                  <a:txBody>
-                    <a:bodyPr/>
-                    <a:lstStyle/>
-                    <a:p>
-                      <a:pPr algn="ctr" latinLnBrk="1">
-                        <a:defRPr/>
-                      </a:pPr>
-                      <a:r>
-                        <a:rPr lang="en-US" altLang="ko-KR" sz="2100">
-                          <a:latin typeface="맑은 고딕"/>
-                          <a:ea typeface="맑은 고딕"/>
-                        </a:rPr>
-                        <a:t>0.0001</a:t>
-                      </a:r>
-                      <a:endParaRPr lang="ko-KR" altLang="en-US" sz="2100">
-                        <a:latin typeface="맑은 고딕"/>
-                        <a:ea typeface="맑은 고딕"/>
-                      </a:endParaRPr>
-                    </a:p>
-                  </a:txBody>
-                  <a:tcPr anchor="ctr"/>
-                </a:tc>
-                <a:tc>
-                  <a:txBody>
-                    <a:bodyPr/>
-                    <a:lstStyle/>
-                    <a:p>
-                      <a:pPr algn="ctr" latinLnBrk="1">
-                        <a:defRPr/>
-                      </a:pPr>
-                      <a:r>
-                        <a:rPr lang="en-US" altLang="ko-KR" sz="2100">
-                          <a:latin typeface="맑은 고딕"/>
-                          <a:ea typeface="맑은 고딕"/>
-                        </a:rPr>
-                        <a:t>100</a:t>
-                      </a:r>
-                      <a:endParaRPr lang="ko-KR" altLang="en-US" sz="2100">
-                        <a:latin typeface="맑은 고딕"/>
-                        <a:ea typeface="맑은 고딕"/>
-                      </a:endParaRPr>
-                    </a:p>
-                  </a:txBody>
-                  <a:tcPr anchor="ctr"/>
-                </a:tc>
-                <a:tc>
-                  <a:txBody>
-                    <a:bodyPr/>
-                    <a:lstStyle/>
-                    <a:p>
-                      <a:pPr algn="ctr" latinLnBrk="1">
-                        <a:defRPr/>
-                      </a:pPr>
-                      <a:r>
-                        <a:rPr lang="en-US" altLang="ko-KR" sz="2100" dirty="0">
-                          <a:latin typeface="맑은 고딕"/>
-                          <a:ea typeface="맑은 고딕"/>
-                        </a:rPr>
-                        <a:t>0.9278</a:t>
-                      </a:r>
-                    </a:p>
-                  </a:txBody>
-                  <a:tcPr anchor="ctr"/>
-                </a:tc>
-                <a:tc>
-                  <a:txBody>
-                    <a:bodyPr/>
-                    <a:lstStyle/>
-                    <a:p>
-                      <a:pPr algn="ctr" latinLnBrk="1">
-                        <a:defRPr/>
-                      </a:pPr>
-                      <a:r>
-                        <a:rPr lang="en-US" altLang="ko-KR" sz="2100" dirty="0">
-                          <a:latin typeface="맑은 고딕"/>
-                          <a:ea typeface="맑은 고딕"/>
-                        </a:rPr>
-                        <a:t>0.8526</a:t>
-                      </a:r>
-                    </a:p>
-                  </a:txBody>
-                  <a:tcPr anchor="ctr"/>
-                </a:tc>
-                <a:tc>
-                  <a:txBody>
-                    <a:bodyPr/>
-                    <a:lstStyle/>
-                    <a:p>
-                      <a:pPr algn="ctr" latinLnBrk="1">
-                        <a:defRPr/>
-                      </a:pPr>
-                      <a:r>
-                        <a:rPr lang="en-US" altLang="ko-KR" sz="2100" dirty="0">
-                          <a:latin typeface="맑은 고딕"/>
-                          <a:ea typeface="맑은 고딕"/>
-                        </a:rPr>
-                        <a:t>24h</a:t>
-                      </a:r>
-                    </a:p>
-                  </a:txBody>
-                  <a:tcPr anchor="ctr"/>
+                  <a:tcPr anchor="ctr">
+                    <a:lnR w="6350" cap="flat" cmpd="sng" algn="ctr">
+                      <a:noFill/>
+                      <a:prstDash val="solid"/>
+                      <a:miter/>
+                    </a:lnR>
+                  </a:tcPr>
                 </a:tc>
                 <a:extLst>
                   <a:ext uri="{0D108BD9-81ED-4DB2-BD59-A6C34878D82A}">
@@ -11970,6 +11789,602 @@
           </a:fontRef>
         </p:style>
       </p:cxnSp>
+      <p:graphicFrame>
+        <p:nvGraphicFramePr>
+          <p:cNvPr id="13" name="표 2">
+            <a:extLst>
+              <a:ext uri="{FF2B5EF4-FFF2-40B4-BE49-F238E27FC236}">
+                <a16:creationId xmlns:a16="http://schemas.microsoft.com/office/drawing/2014/main" id="{6F4A62C7-631E-7532-5B16-6AF088451483}"/>
+              </a:ext>
+            </a:extLst>
+          </p:cNvPr>
+          <p:cNvGraphicFramePr>
+            <a:graphicFrameLocks noGrp="1"/>
+          </p:cNvGraphicFramePr>
+          <p:nvPr>
+            <p:extLst>
+              <p:ext uri="{D42A27DB-BD31-4B8C-83A1-F6EECF244321}">
+                <p14:modId xmlns:p14="http://schemas.microsoft.com/office/powerpoint/2010/main" val="3157137169"/>
+              </p:ext>
+            </p:extLst>
+          </p:nvPr>
+        </p:nvGraphicFramePr>
+        <p:xfrm>
+          <a:off x="6288847" y="2833064"/>
+          <a:ext cx="4990114" cy="2767687"/>
+        </p:xfrm>
+        <a:graphic>
+          <a:graphicData uri="http://schemas.openxmlformats.org/drawingml/2006/table">
+            <a:tbl>
+              <a:tblPr firstRow="1" bandRow="1">
+                <a:tableStyleId>{69012ECD-51FC-41F1-AA8D-1B2483CD663E}</a:tableStyleId>
+              </a:tblPr>
+              <a:tblGrid>
+                <a:gridCol w="569153">
+                  <a:extLst>
+                    <a:ext uri="{9D8B030D-6E8A-4147-A177-3AD203B41FA5}">
+                      <a16:colId xmlns:a16="http://schemas.microsoft.com/office/drawing/2014/main" val="20000"/>
+                    </a:ext>
+                  </a:extLst>
+                </a:gridCol>
+                <a:gridCol w="1083638">
+                  <a:extLst>
+                    <a:ext uri="{9D8B030D-6E8A-4147-A177-3AD203B41FA5}">
+                      <a16:colId xmlns:a16="http://schemas.microsoft.com/office/drawing/2014/main" val="20001"/>
+                    </a:ext>
+                  </a:extLst>
+                </a:gridCol>
+                <a:gridCol w="1632067">
+                  <a:extLst>
+                    <a:ext uri="{9D8B030D-6E8A-4147-A177-3AD203B41FA5}">
+                      <a16:colId xmlns:a16="http://schemas.microsoft.com/office/drawing/2014/main" val="20004"/>
+                    </a:ext>
+                  </a:extLst>
+                </a:gridCol>
+                <a:gridCol w="1705256">
+                  <a:extLst>
+                    <a:ext uri="{9D8B030D-6E8A-4147-A177-3AD203B41FA5}">
+                      <a16:colId xmlns:a16="http://schemas.microsoft.com/office/drawing/2014/main" val="20005"/>
+                    </a:ext>
+                  </a:extLst>
+                </a:gridCol>
+              </a:tblGrid>
+              <a:tr h="738811">
+                <a:tc>
+                  <a:txBody>
+                    <a:bodyPr/>
+                    <a:lstStyle/>
+                    <a:p>
+                      <a:pPr algn="ctr" latinLnBrk="1">
+                        <a:defRPr/>
+                      </a:pPr>
+                      <a:endParaRPr lang="ko-KR" altLang="en-US" sz="1800" dirty="0">
+                        <a:latin typeface="맑은 고딕"/>
+                        <a:ea typeface="맑은 고딕"/>
+                      </a:endParaRPr>
+                    </a:p>
+                  </a:txBody>
+                  <a:tcPr anchor="ctr"/>
+                </a:tc>
+                <a:tc>
+                  <a:txBody>
+                    <a:bodyPr/>
+                    <a:lstStyle/>
+                    <a:p>
+                      <a:pPr algn="ctr" latinLnBrk="1">
+                        <a:defRPr/>
+                      </a:pPr>
+                      <a:r>
+                        <a:rPr lang="en-US" altLang="ko-KR" sz="1800" dirty="0"/>
+                        <a:t>LR</a:t>
+                      </a:r>
+                      <a:endParaRPr lang="ko-KR" altLang="en-US" sz="1800" dirty="0">
+                        <a:latin typeface="맑은 고딕"/>
+                        <a:ea typeface="맑은 고딕"/>
+                      </a:endParaRPr>
+                    </a:p>
+                  </a:txBody>
+                  <a:tcPr anchor="ctr"/>
+                </a:tc>
+                <a:tc>
+                  <a:txBody>
+                    <a:bodyPr/>
+                    <a:lstStyle/>
+                    <a:p>
+                      <a:pPr algn="ctr" latinLnBrk="1">
+                        <a:defRPr/>
+                      </a:pPr>
+                      <a:r>
+                        <a:rPr lang="ko-KR" altLang="en-US" sz="1800" dirty="0"/>
+                        <a:t>학습</a:t>
+                      </a:r>
+                      <a:endParaRPr lang="en-US" altLang="ko-KR" sz="1800" dirty="0"/>
+                    </a:p>
+                    <a:p>
+                      <a:pPr algn="ctr" latinLnBrk="1">
+                        <a:defRPr/>
+                      </a:pPr>
+                      <a:r>
+                        <a:rPr lang="ko-KR" altLang="en-US" sz="1800" dirty="0"/>
+                        <a:t>정확도</a:t>
+                      </a:r>
+                      <a:endParaRPr lang="ko-KR" altLang="en-US" sz="1800" dirty="0">
+                        <a:latin typeface="맑은 고딕"/>
+                        <a:ea typeface="맑은 고딕"/>
+                      </a:endParaRPr>
+                    </a:p>
+                  </a:txBody>
+                  <a:tcPr anchor="ctr"/>
+                </a:tc>
+                <a:tc>
+                  <a:txBody>
+                    <a:bodyPr/>
+                    <a:lstStyle/>
+                    <a:p>
+                      <a:pPr algn="ctr" latinLnBrk="1">
+                        <a:defRPr/>
+                      </a:pPr>
+                      <a:r>
+                        <a:rPr lang="ko-KR" altLang="en-US" sz="1800" dirty="0"/>
+                        <a:t>시험</a:t>
+                      </a:r>
+                      <a:endParaRPr lang="en-US" altLang="ko-KR" sz="1800" dirty="0"/>
+                    </a:p>
+                    <a:p>
+                      <a:pPr algn="ctr" latinLnBrk="1">
+                        <a:defRPr/>
+                      </a:pPr>
+                      <a:r>
+                        <a:rPr lang="ko-KR" altLang="en-US" sz="1800" dirty="0"/>
+                        <a:t>정확도</a:t>
+                      </a:r>
+                      <a:endParaRPr lang="ko-KR" altLang="en-US" sz="1800" dirty="0">
+                        <a:latin typeface="맑은 고딕"/>
+                        <a:ea typeface="맑은 고딕"/>
+                      </a:endParaRPr>
+                    </a:p>
+                  </a:txBody>
+                  <a:tcPr anchor="ctr"/>
+                </a:tc>
+                <a:extLst>
+                  <a:ext uri="{0D108BD9-81ED-4DB2-BD59-A6C34878D82A}">
+                    <a16:rowId xmlns:a16="http://schemas.microsoft.com/office/drawing/2014/main" val="10000"/>
+                  </a:ext>
+                </a:extLst>
+              </a:tr>
+              <a:tr h="1014438">
+                <a:tc>
+                  <a:txBody>
+                    <a:bodyPr/>
+                    <a:lstStyle/>
+                    <a:p>
+                      <a:pPr algn="ctr" latinLnBrk="1">
+                        <a:defRPr/>
+                      </a:pPr>
+                      <a:r>
+                        <a:rPr lang="en-US" altLang="ko-KR" sz="1800" dirty="0"/>
+                        <a:t>1</a:t>
+                      </a:r>
+                      <a:endParaRPr lang="ko-KR" altLang="en-US" sz="1800" dirty="0">
+                        <a:latin typeface="맑은 고딕"/>
+                        <a:ea typeface="맑은 고딕"/>
+                      </a:endParaRPr>
+                    </a:p>
+                  </a:txBody>
+                  <a:tcPr anchor="ctr">
+                    <a:lnL w="6350" cap="flat" cmpd="sng" algn="ctr">
+                      <a:noFill/>
+                      <a:prstDash val="solid"/>
+                      <a:miter/>
+                    </a:lnL>
+                  </a:tcPr>
+                </a:tc>
+                <a:tc>
+                  <a:txBody>
+                    <a:bodyPr/>
+                    <a:lstStyle/>
+                    <a:p>
+                      <a:pPr algn="ctr" latinLnBrk="1">
+                        <a:defRPr/>
+                      </a:pPr>
+                      <a:r>
+                        <a:rPr lang="en-US" altLang="ko-KR" sz="1800" dirty="0"/>
+                        <a:t>0.00001</a:t>
+                      </a:r>
+                      <a:endParaRPr lang="ko-KR" altLang="en-US" sz="1800" dirty="0">
+                        <a:latin typeface="맑은 고딕"/>
+                        <a:ea typeface="맑은 고딕"/>
+                      </a:endParaRPr>
+                    </a:p>
+                  </a:txBody>
+                  <a:tcPr anchor="ctr"/>
+                </a:tc>
+                <a:tc>
+                  <a:txBody>
+                    <a:bodyPr/>
+                    <a:lstStyle/>
+                    <a:p>
+                      <a:pPr algn="ctr" latinLnBrk="1">
+                        <a:defRPr/>
+                      </a:pPr>
+                      <a:r>
+                        <a:rPr lang="en-US" altLang="ko-KR" sz="1800" dirty="0"/>
+                        <a:t>0.9214</a:t>
+                      </a:r>
+                      <a:endParaRPr lang="en-US" altLang="ko-KR" sz="1800" dirty="0">
+                        <a:latin typeface="맑은 고딕"/>
+                        <a:ea typeface="맑은 고딕"/>
+                      </a:endParaRPr>
+                    </a:p>
+                  </a:txBody>
+                  <a:tcPr anchor="ctr"/>
+                </a:tc>
+                <a:tc>
+                  <a:txBody>
+                    <a:bodyPr/>
+                    <a:lstStyle/>
+                    <a:p>
+                      <a:pPr algn="ctr" latinLnBrk="1">
+                        <a:defRPr/>
+                      </a:pPr>
+                      <a:r>
+                        <a:rPr lang="en-US" altLang="ko-KR" sz="1800" dirty="0"/>
+                        <a:t>0.8523</a:t>
+                      </a:r>
+                      <a:endParaRPr lang="en-US" altLang="ko-KR" sz="1800" dirty="0">
+                        <a:latin typeface="맑은 고딕"/>
+                        <a:ea typeface="맑은 고딕"/>
+                      </a:endParaRPr>
+                    </a:p>
+                  </a:txBody>
+                  <a:tcPr anchor="ctr">
+                    <a:lnR w="6350" cap="flat" cmpd="sng" algn="ctr">
+                      <a:noFill/>
+                      <a:prstDash val="solid"/>
+                      <a:miter/>
+                    </a:lnR>
+                  </a:tcPr>
+                </a:tc>
+                <a:extLst>
+                  <a:ext uri="{0D108BD9-81ED-4DB2-BD59-A6C34878D82A}">
+                    <a16:rowId xmlns:a16="http://schemas.microsoft.com/office/drawing/2014/main" val="10001"/>
+                  </a:ext>
+                </a:extLst>
+              </a:tr>
+              <a:tr h="1014438">
+                <a:tc>
+                  <a:txBody>
+                    <a:bodyPr/>
+                    <a:lstStyle/>
+                    <a:p>
+                      <a:pPr algn="ctr" latinLnBrk="1">
+                        <a:defRPr/>
+                      </a:pPr>
+                      <a:r>
+                        <a:rPr lang="en-US" altLang="ko-KR" sz="1800" dirty="0"/>
+                        <a:t>2</a:t>
+                      </a:r>
+                      <a:endParaRPr lang="ko-KR" altLang="en-US" sz="1800" dirty="0">
+                        <a:latin typeface="맑은 고딕"/>
+                        <a:ea typeface="맑은 고딕"/>
+                      </a:endParaRPr>
+                    </a:p>
+                  </a:txBody>
+                  <a:tcPr anchor="ctr">
+                    <a:lnL w="6350" cap="flat" cmpd="sng" algn="ctr">
+                      <a:noFill/>
+                      <a:prstDash val="solid"/>
+                      <a:miter/>
+                    </a:lnL>
+                  </a:tcPr>
+                </a:tc>
+                <a:tc>
+                  <a:txBody>
+                    <a:bodyPr/>
+                    <a:lstStyle/>
+                    <a:p>
+                      <a:pPr algn="ctr" latinLnBrk="1">
+                        <a:defRPr/>
+                      </a:pPr>
+                      <a:r>
+                        <a:rPr lang="en-US" altLang="ko-KR" sz="1800" dirty="0"/>
+                        <a:t>0.0001</a:t>
+                      </a:r>
+                      <a:endParaRPr lang="ko-KR" altLang="en-US" sz="1800" dirty="0">
+                        <a:latin typeface="맑은 고딕"/>
+                        <a:ea typeface="맑은 고딕"/>
+                      </a:endParaRPr>
+                    </a:p>
+                  </a:txBody>
+                  <a:tcPr anchor="ctr"/>
+                </a:tc>
+                <a:tc>
+                  <a:txBody>
+                    <a:bodyPr/>
+                    <a:lstStyle/>
+                    <a:p>
+                      <a:pPr algn="ctr" latinLnBrk="1">
+                        <a:defRPr/>
+                      </a:pPr>
+                      <a:r>
+                        <a:rPr lang="en-US" altLang="ko-KR" sz="1800" dirty="0"/>
+                        <a:t>0.9311</a:t>
+                      </a:r>
+                      <a:endParaRPr lang="en-US" altLang="ko-KR" sz="1800" dirty="0">
+                        <a:latin typeface="맑은 고딕"/>
+                        <a:ea typeface="맑은 고딕"/>
+                      </a:endParaRPr>
+                    </a:p>
+                  </a:txBody>
+                  <a:tcPr anchor="ctr"/>
+                </a:tc>
+                <a:tc>
+                  <a:txBody>
+                    <a:bodyPr/>
+                    <a:lstStyle/>
+                    <a:p>
+                      <a:pPr algn="ctr" latinLnBrk="1">
+                        <a:defRPr/>
+                      </a:pPr>
+                      <a:r>
+                        <a:rPr lang="en-US" altLang="ko-KR" sz="1800" dirty="0"/>
+                        <a:t>0.8578</a:t>
+                      </a:r>
+                      <a:endParaRPr lang="en-US" altLang="ko-KR" sz="1800" dirty="0">
+                        <a:latin typeface="맑은 고딕"/>
+                        <a:ea typeface="맑은 고딕"/>
+                      </a:endParaRPr>
+                    </a:p>
+                  </a:txBody>
+                  <a:tcPr anchor="ctr">
+                    <a:lnR w="6350" cap="flat" cmpd="sng" algn="ctr">
+                      <a:noFill/>
+                      <a:prstDash val="solid"/>
+                      <a:miter/>
+                    </a:lnR>
+                  </a:tcPr>
+                </a:tc>
+                <a:extLst>
+                  <a:ext uri="{0D108BD9-81ED-4DB2-BD59-A6C34878D82A}">
+                    <a16:rowId xmlns:a16="http://schemas.microsoft.com/office/drawing/2014/main" val="10002"/>
+                  </a:ext>
+                </a:extLst>
+              </a:tr>
+            </a:tbl>
+          </a:graphicData>
+        </a:graphic>
+      </p:graphicFrame>
+      <p:sp>
+        <p:nvSpPr>
+          <p:cNvPr id="18" name="TextBox 17">
+            <a:extLst>
+              <a:ext uri="{FF2B5EF4-FFF2-40B4-BE49-F238E27FC236}">
+                <a16:creationId xmlns:a16="http://schemas.microsoft.com/office/drawing/2014/main" id="{EC5426EE-6DDE-4771-B528-51D3D08C2ACF}"/>
+              </a:ext>
+            </a:extLst>
+          </p:cNvPr>
+          <p:cNvSpPr txBox="1"/>
+          <p:nvPr/>
+        </p:nvSpPr>
+        <p:spPr>
+          <a:xfrm>
+            <a:off x="881322" y="1464882"/>
+            <a:ext cx="9053253" cy="498598"/>
+          </a:xfrm>
+          <a:prstGeom prst="rect">
+            <a:avLst/>
+          </a:prstGeom>
+          <a:noFill/>
+        </p:spPr>
+        <p:txBody>
+          <a:bodyPr wrap="square" rtlCol="0" anchor="ctr">
+            <a:spAutoFit/>
+          </a:bodyPr>
+          <a:lstStyle/>
+          <a:p>
+            <a:pPr marL="342900" indent="-342900">
+              <a:lnSpc>
+                <a:spcPct val="120000"/>
+              </a:lnSpc>
+              <a:buFont typeface="Arial" panose="020B0604020202020204" pitchFamily="34" charset="0"/>
+              <a:buChar char="•"/>
+            </a:pPr>
+            <a:r>
+              <a:rPr lang="en-US" altLang="ko-KR" sz="2400" b="1" spc="-150" dirty="0" err="1">
+                <a:latin typeface="배달의민족 한나체 Air OTF" panose="020B0600000101010101" pitchFamily="34" charset="-127"/>
+                <a:ea typeface="배달의민족 한나체 Air OTF" panose="020B0600000101010101" pitchFamily="34" charset="-127"/>
+              </a:rPr>
+              <a:t>Batchsize</a:t>
+            </a:r>
+            <a:r>
+              <a:rPr lang="en-US" altLang="ko-KR" sz="2400" spc="-150" dirty="0">
+                <a:latin typeface="배달의민족 한나체 Air OTF" panose="020B0600000101010101" pitchFamily="34" charset="-127"/>
+                <a:ea typeface="배달의민족 한나체 Air OTF" panose="020B0600000101010101" pitchFamily="34" charset="-127"/>
+              </a:rPr>
+              <a:t> : 16   /   </a:t>
+            </a:r>
+            <a:r>
+              <a:rPr lang="en-US" altLang="ko-KR" sz="2400" b="1" spc="-150" dirty="0">
+                <a:latin typeface="배달의민족 한나체 Air OTF" panose="020B0600000101010101" pitchFamily="34" charset="-127"/>
+                <a:ea typeface="배달의민족 한나체 Air OTF" panose="020B0600000101010101" pitchFamily="34" charset="-127"/>
+              </a:rPr>
+              <a:t>Optimizer</a:t>
+            </a:r>
+            <a:r>
+              <a:rPr lang="en-US" altLang="ko-KR" sz="2400" spc="-150" dirty="0">
+                <a:latin typeface="배달의민족 한나체 Air OTF" panose="020B0600000101010101" pitchFamily="34" charset="-127"/>
+                <a:ea typeface="배달의민족 한나체 Air OTF" panose="020B0600000101010101" pitchFamily="34" charset="-127"/>
+              </a:rPr>
+              <a:t> : Adam   /  </a:t>
+            </a:r>
+            <a:r>
+              <a:rPr lang="ko-KR" altLang="en-US" sz="2400" b="1" spc="-150" dirty="0">
+                <a:latin typeface="배달의민족 한나체 Air OTF" panose="020B0600000101010101" pitchFamily="34" charset="-127"/>
+                <a:ea typeface="배달의민족 한나체 Air OTF" panose="020B0600000101010101" pitchFamily="34" charset="-127"/>
+              </a:rPr>
+              <a:t>손실함수</a:t>
+            </a:r>
+            <a:r>
+              <a:rPr lang="ko-KR" altLang="en-US" sz="2400" spc="-150" dirty="0">
+                <a:latin typeface="배달의민족 한나체 Air OTF" panose="020B0600000101010101" pitchFamily="34" charset="-127"/>
+                <a:ea typeface="배달의민족 한나체 Air OTF" panose="020B0600000101010101" pitchFamily="34" charset="-127"/>
+              </a:rPr>
+              <a:t> </a:t>
+            </a:r>
+            <a:r>
+              <a:rPr lang="en-US" altLang="ko-KR" sz="2400" spc="-150" dirty="0">
+                <a:latin typeface="배달의민족 한나체 Air OTF" panose="020B0600000101010101" pitchFamily="34" charset="-127"/>
+                <a:ea typeface="배달의민족 한나체 Air OTF" panose="020B0600000101010101" pitchFamily="34" charset="-127"/>
+              </a:rPr>
+              <a:t>: Cross-entropy</a:t>
+            </a:r>
+          </a:p>
+        </p:txBody>
+      </p:sp>
+      <p:sp>
+        <p:nvSpPr>
+          <p:cNvPr id="20" name="TextBox 8">
+            <a:extLst>
+              <a:ext uri="{FF2B5EF4-FFF2-40B4-BE49-F238E27FC236}">
+                <a16:creationId xmlns:a16="http://schemas.microsoft.com/office/drawing/2014/main" id="{8E6F7880-8EDD-5D06-820C-407BF2736979}"/>
+              </a:ext>
+            </a:extLst>
+          </p:cNvPr>
+          <p:cNvSpPr txBox="1"/>
+          <p:nvPr/>
+        </p:nvSpPr>
+        <p:spPr>
+          <a:xfrm>
+            <a:off x="1675958" y="2346542"/>
+            <a:ext cx="3547311" cy="464743"/>
+          </a:xfrm>
+          <a:prstGeom prst="rect">
+            <a:avLst/>
+          </a:prstGeom>
+          <a:noFill/>
+        </p:spPr>
+        <p:txBody>
+          <a:bodyPr wrap="square" anchor="ctr">
+            <a:spAutoFit/>
+          </a:bodyPr>
+          <a:lstStyle/>
+          <a:p>
+            <a:pPr marL="0" indent="0" algn="ctr" defTabSz="914400" rtl="0" eaLnBrk="1" latinLnBrk="1" hangingPunct="1">
+              <a:lnSpc>
+                <a:spcPct val="120000"/>
+              </a:lnSpc>
+              <a:spcBef>
+                <a:spcPct val="0"/>
+              </a:spcBef>
+              <a:spcAft>
+                <a:spcPts val="0"/>
+              </a:spcAft>
+              <a:buFont typeface="Arial"/>
+              <a:buNone/>
+              <a:defRPr/>
+            </a:pPr>
+            <a:r>
+              <a:rPr kumimoji="0" lang="en-US" altLang="ko-KR" sz="2200" b="0" i="0" u="none" strike="noStrike" kern="1200" cap="none" spc="-150" normalizeH="0" baseline="0" dirty="0">
+                <a:solidFill>
+                  <a:srgbClr val="000000"/>
+                </a:solidFill>
+                <a:latin typeface="배달의민족 한나체 Air OTF"/>
+                <a:ea typeface="배달의민족 한나체 Air OTF"/>
+              </a:rPr>
+              <a:t>Epoch</a:t>
+            </a:r>
+            <a:r>
+              <a:rPr kumimoji="0" lang="ko-KR" altLang="en-US" sz="2200" b="0" i="0" u="none" strike="noStrike" kern="1200" cap="none" spc="-150" normalizeH="0" baseline="0" dirty="0">
+                <a:solidFill>
+                  <a:srgbClr val="000000"/>
+                </a:solidFill>
+                <a:latin typeface="배달의민족 한나체 Air OTF"/>
+                <a:ea typeface="배달의민족 한나체 Air OTF"/>
+              </a:rPr>
+              <a:t>에 따른 결과값</a:t>
+            </a:r>
+            <a:endParaRPr kumimoji="0" lang="en-US" altLang="ko-KR" sz="2200" b="0" i="0" u="none" strike="noStrike" kern="1200" cap="none" spc="-150" normalizeH="0" baseline="0" dirty="0">
+              <a:solidFill>
+                <a:srgbClr val="000000"/>
+              </a:solidFill>
+              <a:latin typeface="배달의민족 한나체 Air OTF"/>
+              <a:ea typeface="배달의민족 한나체 Air OTF"/>
+            </a:endParaRPr>
+          </a:p>
+        </p:txBody>
+      </p:sp>
+      <p:sp>
+        <p:nvSpPr>
+          <p:cNvPr id="23" name="TextBox 8">
+            <a:extLst>
+              <a:ext uri="{FF2B5EF4-FFF2-40B4-BE49-F238E27FC236}">
+                <a16:creationId xmlns:a16="http://schemas.microsoft.com/office/drawing/2014/main" id="{EC0081E2-5E87-7E01-F8D3-AB1E723A0EBD}"/>
+              </a:ext>
+            </a:extLst>
+          </p:cNvPr>
+          <p:cNvSpPr txBox="1"/>
+          <p:nvPr/>
+        </p:nvSpPr>
+        <p:spPr>
+          <a:xfrm>
+            <a:off x="6909332" y="2346542"/>
+            <a:ext cx="3749144" cy="464743"/>
+          </a:xfrm>
+          <a:prstGeom prst="rect">
+            <a:avLst/>
+          </a:prstGeom>
+          <a:noFill/>
+        </p:spPr>
+        <p:txBody>
+          <a:bodyPr wrap="square" anchor="ctr">
+            <a:spAutoFit/>
+          </a:bodyPr>
+          <a:lstStyle/>
+          <a:p>
+            <a:pPr marL="0" indent="0" algn="ctr" defTabSz="914400" rtl="0" eaLnBrk="1" latinLnBrk="1" hangingPunct="1">
+              <a:lnSpc>
+                <a:spcPct val="120000"/>
+              </a:lnSpc>
+              <a:spcBef>
+                <a:spcPct val="0"/>
+              </a:spcBef>
+              <a:spcAft>
+                <a:spcPts val="0"/>
+              </a:spcAft>
+              <a:buFont typeface="Arial"/>
+              <a:buNone/>
+              <a:defRPr/>
+            </a:pPr>
+            <a:r>
+              <a:rPr lang="en-US" altLang="ko-KR" sz="2200" spc="-150" dirty="0">
+                <a:solidFill>
+                  <a:srgbClr val="000000"/>
+                </a:solidFill>
+                <a:latin typeface="배달의민족 한나체 Air OTF"/>
+                <a:ea typeface="배달의민족 한나체 Air OTF"/>
+              </a:rPr>
+              <a:t>Learning rate</a:t>
+            </a:r>
+            <a:r>
+              <a:rPr lang="ko-KR" altLang="en-US" sz="2200" spc="-150" dirty="0">
+                <a:solidFill>
+                  <a:srgbClr val="000000"/>
+                </a:solidFill>
+                <a:latin typeface="배달의민족 한나체 Air OTF"/>
+                <a:ea typeface="배달의민족 한나체 Air OTF"/>
+              </a:rPr>
+              <a:t>에 따른 결과값</a:t>
+            </a:r>
+            <a:endParaRPr kumimoji="0" lang="en-US" altLang="ko-KR" sz="2200" b="0" i="0" u="none" strike="noStrike" kern="1200" cap="none" spc="-150" normalizeH="0" baseline="0" dirty="0">
+              <a:solidFill>
+                <a:srgbClr val="000000"/>
+              </a:solidFill>
+              <a:latin typeface="배달의민족 한나체 Air OTF"/>
+              <a:ea typeface="배달의민족 한나체 Air OTF"/>
+            </a:endParaRPr>
+          </a:p>
+        </p:txBody>
+      </p:sp>
     </p:spTree>
   </p:cSld>
   <p:clrMapOvr>
@@ -11979,7 +12394,7 @@
     <mc:Choice Requires="p14">
       <p:transition/>
     </mc:Choice>
-    <mc:Fallback xmlns:dsp="http://schemas.microsoft.com/office/drawing/2008/diagram" xmlns:dgm="http://schemas.openxmlformats.org/drawingml/2006/diagram" xmlns:c="http://schemas.openxmlformats.org/drawingml/2006/chart" xmlns="">
+    <mc:Fallback xmlns="" xmlns:c="http://schemas.openxmlformats.org/drawingml/2006/chart" xmlns:dgm="http://schemas.openxmlformats.org/drawingml/2006/diagram" xmlns:dsp="http://schemas.microsoft.com/office/drawing/2008/diagram">
       <p:transition/>
     </mc:Fallback>
   </mc:AlternateContent>
@@ -12464,7 +12879,7 @@
         </p:nvSpPr>
         <p:spPr>
           <a:xfrm>
-            <a:off x="1528857" y="5654850"/>
+            <a:off x="1528857" y="5581925"/>
             <a:ext cx="3547311" cy="563070"/>
           </a:xfrm>
           <a:prstGeom prst="rect">
@@ -12493,7 +12908,7 @@
               <a:defRPr/>
             </a:pPr>
             <a:r>
-              <a:rPr kumimoji="0" lang="en-US" altLang="ko-KR" sz="2600" b="0" i="0" u="none" strike="noStrike" kern="1200" cap="none" spc="-150" normalizeH="0" baseline="0">
+              <a:rPr kumimoji="0" lang="en-US" altLang="ko-KR" sz="2600" b="0" i="0" u="none" strike="noStrike" kern="1200" cap="none" spc="-150" normalizeH="0" baseline="0" dirty="0">
                 <a:solidFill>
                   <a:srgbClr val="000000"/>
                 </a:solidFill>
@@ -12513,7 +12928,7 @@
         </p:nvSpPr>
         <p:spPr>
           <a:xfrm>
-            <a:off x="6677024" y="5673900"/>
+            <a:off x="6677024" y="5600975"/>
             <a:ext cx="4384856" cy="563070"/>
           </a:xfrm>
           <a:prstGeom prst="rect">
@@ -12542,7 +12957,7 @@
               <a:defRPr/>
             </a:pPr>
             <a:r>
-              <a:rPr kumimoji="0" lang="en-US" altLang="ko-KR" sz="2600" b="0" i="0" u="none" strike="noStrike" kern="1200" cap="none" spc="-150" normalizeH="0" baseline="0">
+              <a:rPr kumimoji="0" lang="en-US" altLang="ko-KR" sz="2600" b="0" i="0" u="none" strike="noStrike" kern="1200" cap="none" spc="-150" normalizeH="0" baseline="0" dirty="0">
                 <a:solidFill>
                   <a:srgbClr val="000000"/>
                 </a:solidFill>
@@ -12554,6 +12969,162 @@
           </a:p>
         </p:txBody>
       </p:sp>
+      <p:pic>
+        <p:nvPicPr>
+          <p:cNvPr id="18" name="그림 2" descr="실내, 더러운이(가) 표시된 사진  자동 생성된 설명">
+            <a:extLst>
+              <a:ext uri="{FF2B5EF4-FFF2-40B4-BE49-F238E27FC236}">
+                <a16:creationId xmlns:a16="http://schemas.microsoft.com/office/drawing/2014/main" id="{3CAA9E73-D0CF-EDB0-8162-866432022692}"/>
+              </a:ext>
+            </a:extLst>
+          </p:cNvPr>
+          <p:cNvPicPr>
+            <a:picLocks noChangeAspect="1"/>
+          </p:cNvPicPr>
+          <p:nvPr/>
+        </p:nvPicPr>
+        <p:blipFill rotWithShape="1">
+          <a:blip r:embed="rId3"/>
+          <a:srcRect l="35910" t="36232" r="47802" b="34527"/>
+          <a:stretch/>
+        </p:blipFill>
+        <p:spPr>
+          <a:xfrm>
+            <a:off x="4160479" y="1626356"/>
+            <a:ext cx="1710454" cy="2356624"/>
+          </a:xfrm>
+          <a:prstGeom prst="rect">
+            <a:avLst/>
+          </a:prstGeom>
+          <a:ln w="19050">
+            <a:solidFill>
+              <a:srgbClr val="FF0000"/>
+            </a:solidFill>
+          </a:ln>
+        </p:spPr>
+      </p:pic>
+      <p:cxnSp>
+        <p:nvCxnSpPr>
+          <p:cNvPr id="4" name="직선 화살표 연결선 3">
+            <a:extLst>
+              <a:ext uri="{FF2B5EF4-FFF2-40B4-BE49-F238E27FC236}">
+                <a16:creationId xmlns:a16="http://schemas.microsoft.com/office/drawing/2014/main" id="{D5ACDF16-2AE4-CB6B-427A-1B8543B54139}"/>
+              </a:ext>
+            </a:extLst>
+          </p:cNvPr>
+          <p:cNvCxnSpPr>
+            <a:cxnSpLocks/>
+          </p:cNvCxnSpPr>
+          <p:nvPr/>
+        </p:nvCxnSpPr>
+        <p:spPr>
+          <a:xfrm flipV="1">
+            <a:off x="3337608" y="3310040"/>
+            <a:ext cx="540601" cy="295007"/>
+          </a:xfrm>
+          <a:prstGeom prst="straightConnector1">
+            <a:avLst/>
+          </a:prstGeom>
+          <a:ln w="38100">
+            <a:solidFill>
+              <a:srgbClr val="FF0000"/>
+            </a:solidFill>
+            <a:tailEnd type="triangle"/>
+          </a:ln>
+        </p:spPr>
+        <p:style>
+          <a:lnRef idx="1">
+            <a:schemeClr val="accent1"/>
+          </a:lnRef>
+          <a:fillRef idx="0">
+            <a:schemeClr val="accent1"/>
+          </a:fillRef>
+          <a:effectRef idx="0">
+            <a:schemeClr val="accent1"/>
+          </a:effectRef>
+          <a:fontRef idx="minor">
+            <a:schemeClr val="tx1"/>
+          </a:fontRef>
+        </p:style>
+      </p:cxnSp>
+      <p:pic>
+        <p:nvPicPr>
+          <p:cNvPr id="20" name="그림 5" descr="실내, 천장, 바닥, 건물이(가) 표시된 사진  자동 생성된 설명">
+            <a:extLst>
+              <a:ext uri="{FF2B5EF4-FFF2-40B4-BE49-F238E27FC236}">
+                <a16:creationId xmlns:a16="http://schemas.microsoft.com/office/drawing/2014/main" id="{0869D596-7A9E-82A0-EDE2-80A88733C2D0}"/>
+              </a:ext>
+            </a:extLst>
+          </p:cNvPr>
+          <p:cNvPicPr>
+            <a:picLocks noChangeAspect="1"/>
+          </p:cNvPicPr>
+          <p:nvPr/>
+        </p:nvPicPr>
+        <p:blipFill rotWithShape="1">
+          <a:blip r:embed="rId4"/>
+          <a:srcRect l="8275" t="30842" r="68030" b="38915"/>
+          <a:stretch/>
+        </p:blipFill>
+        <p:spPr>
+          <a:xfrm>
+            <a:off x="8948782" y="1665113"/>
+            <a:ext cx="2416463" cy="2365738"/>
+          </a:xfrm>
+          <a:prstGeom prst="rect">
+            <a:avLst/>
+          </a:prstGeom>
+          <a:ln w="19050">
+            <a:solidFill>
+              <a:srgbClr val="FF0000"/>
+            </a:solidFill>
+          </a:ln>
+        </p:spPr>
+      </p:pic>
+      <p:cxnSp>
+        <p:nvCxnSpPr>
+          <p:cNvPr id="22" name="직선 화살표 연결선 21">
+            <a:extLst>
+              <a:ext uri="{FF2B5EF4-FFF2-40B4-BE49-F238E27FC236}">
+                <a16:creationId xmlns:a16="http://schemas.microsoft.com/office/drawing/2014/main" id="{4FF1D310-27A3-BD66-89AD-2CAD33F53AB4}"/>
+              </a:ext>
+            </a:extLst>
+          </p:cNvPr>
+          <p:cNvCxnSpPr>
+            <a:cxnSpLocks/>
+          </p:cNvCxnSpPr>
+          <p:nvPr/>
+        </p:nvCxnSpPr>
+        <p:spPr>
+          <a:xfrm flipV="1">
+            <a:off x="8062008" y="3038764"/>
+            <a:ext cx="564755" cy="142858"/>
+          </a:xfrm>
+          <a:prstGeom prst="straightConnector1">
+            <a:avLst/>
+          </a:prstGeom>
+          <a:ln w="38100">
+            <a:solidFill>
+              <a:srgbClr val="FF0000"/>
+            </a:solidFill>
+            <a:tailEnd type="triangle"/>
+          </a:ln>
+        </p:spPr>
+        <p:style>
+          <a:lnRef idx="1">
+            <a:schemeClr val="accent1"/>
+          </a:lnRef>
+          <a:fillRef idx="0">
+            <a:schemeClr val="accent1"/>
+          </a:fillRef>
+          <a:effectRef idx="0">
+            <a:schemeClr val="accent1"/>
+          </a:effectRef>
+          <a:fontRef idx="minor">
+            <a:schemeClr val="tx1"/>
+          </a:fontRef>
+        </p:style>
+      </p:cxnSp>
     </p:spTree>
   </p:cSld>
   <p:clrMapOvr>
@@ -12563,7 +13134,7 @@
     <mc:Choice Requires="p14">
       <p:transition/>
     </mc:Choice>
-    <mc:Fallback xmlns:dsp="http://schemas.microsoft.com/office/drawing/2008/diagram" xmlns:dgm="http://schemas.openxmlformats.org/drawingml/2006/diagram" xmlns:c="http://schemas.openxmlformats.org/drawingml/2006/chart" xmlns="">
+    <mc:Fallback xmlns="" xmlns:c="http://schemas.openxmlformats.org/drawingml/2006/chart" xmlns:dgm="http://schemas.openxmlformats.org/drawingml/2006/diagram" xmlns:dsp="http://schemas.microsoft.com/office/drawing/2008/diagram">
       <p:transition/>
     </mc:Fallback>
   </mc:AlternateContent>
@@ -13116,7 +13687,7 @@
                 <a:latin typeface="배달의민족 한나체 Air OTF" panose="020B0600000101010101" pitchFamily="34" charset="-127"/>
                 <a:ea typeface="배달의민족 한나체 Air OTF" panose="020B0600000101010101" pitchFamily="34" charset="-127"/>
               </a:rPr>
-              <a:t>현장에서 이상행동을 감시하여 사고 발생시 신속한 대처를 할 수 있는 관련 연구 진행</a:t>
+              <a:t>현장에서 이상행동을 검출하여 사고 발생시 신속한 대처를 할 수 있는 관련 연구 진행</a:t>
             </a:r>
             <a:endParaRPr lang="ko-KR" altLang="en-US" sz="2400" i="0" dirty="0">
               <a:solidFill>
